--- a/Nuclear_Fuel_Performance/NE533_Spring2023/Section4/Lec20_MOX.pptx
+++ b/Nuclear_Fuel_Performance/NE533_Spring2023/Section4/Lec20_MOX.pptx
@@ -7,22 +7,21 @@
   <p:sldIdLst>
     <p:sldId id="537" r:id="rId2"/>
     <p:sldId id="342" r:id="rId3"/>
-    <p:sldId id="279" r:id="rId4"/>
-    <p:sldId id="407" r:id="rId5"/>
-    <p:sldId id="549" r:id="rId6"/>
-    <p:sldId id="423" r:id="rId7"/>
-    <p:sldId id="547" r:id="rId8"/>
-    <p:sldId id="550" r:id="rId9"/>
-    <p:sldId id="551" r:id="rId10"/>
-    <p:sldId id="419" r:id="rId11"/>
-    <p:sldId id="552" r:id="rId12"/>
-    <p:sldId id="548" r:id="rId13"/>
-    <p:sldId id="553" r:id="rId14"/>
-    <p:sldId id="554" r:id="rId15"/>
-    <p:sldId id="555" r:id="rId16"/>
-    <p:sldId id="558" r:id="rId17"/>
-    <p:sldId id="557" r:id="rId18"/>
-    <p:sldId id="556" r:id="rId19"/>
+    <p:sldId id="407" r:id="rId4"/>
+    <p:sldId id="549" r:id="rId5"/>
+    <p:sldId id="423" r:id="rId6"/>
+    <p:sldId id="547" r:id="rId7"/>
+    <p:sldId id="550" r:id="rId8"/>
+    <p:sldId id="551" r:id="rId9"/>
+    <p:sldId id="419" r:id="rId10"/>
+    <p:sldId id="552" r:id="rId11"/>
+    <p:sldId id="548" r:id="rId12"/>
+    <p:sldId id="553" r:id="rId13"/>
+    <p:sldId id="554" r:id="rId14"/>
+    <p:sldId id="555" r:id="rId15"/>
+    <p:sldId id="558" r:id="rId16"/>
+    <p:sldId id="557" r:id="rId17"/>
+    <p:sldId id="556" r:id="rId18"/>
   </p:sldIdLst>
   <p:sldSz cx="12192000" cy="6858000"/>
   <p:notesSz cx="6858000" cy="9144000"/>
@@ -317,7 +316,7 @@
             </a:pPr>
             <a:fld id="{D6F3A803-A045-354B-887A-01433CE46FC2}" type="datetime1">
               <a:rPr lang="en-US" smtClean="0"/>
-              <a:t>2/9/23</a:t>
+              <a:t>4/11/23</a:t>
             </a:fld>
             <a:endParaRPr lang="en-US"/>
           </a:p>
@@ -510,7 +509,7 @@
             </a:pPr>
             <a:fld id="{A8B33C1D-C2E2-1049-AA3F-CD6E91052752}" type="datetime1">
               <a:rPr lang="en-US" smtClean="0"/>
-              <a:t>2/9/23</a:t>
+              <a:t>4/11/23</a:t>
             </a:fld>
             <a:endParaRPr lang="en-US"/>
           </a:p>
@@ -712,7 +711,7 @@
             </a:pPr>
             <a:fld id="{2791AD68-B60C-4542-BDDD-2074DE6DE828}" type="datetime1">
               <a:rPr lang="en-US" smtClean="0"/>
-              <a:t>2/9/23</a:t>
+              <a:t>4/11/23</a:t>
             </a:fld>
             <a:endParaRPr lang="en-US"/>
           </a:p>
@@ -911,7 +910,7 @@
             </a:pPr>
             <a:fld id="{C5BD04BF-9DC2-6341-92B2-BD109A2EF3B1}" type="datetime1">
               <a:rPr lang="en-US" smtClean="0"/>
-              <a:t>2/9/23</a:t>
+              <a:t>4/11/23</a:t>
             </a:fld>
             <a:endParaRPr lang="en-US"/>
           </a:p>
@@ -1181,7 +1180,7 @@
             </a:pPr>
             <a:fld id="{FB0FFBC7-3028-644D-986B-D9855CB74B38}" type="datetime1">
               <a:rPr lang="en-US" smtClean="0"/>
-              <a:t>2/9/23</a:t>
+              <a:t>4/11/23</a:t>
             </a:fld>
             <a:endParaRPr lang="en-US"/>
           </a:p>
@@ -1492,7 +1491,7 @@
             </a:pPr>
             <a:fld id="{2C3B8AE4-01F5-CC42-9C62-61BC6528368B}" type="datetime1">
               <a:rPr lang="en-US" smtClean="0"/>
-              <a:t>2/9/23</a:t>
+              <a:t>4/11/23</a:t>
             </a:fld>
             <a:endParaRPr lang="en-US"/>
           </a:p>
@@ -1935,7 +1934,7 @@
             </a:pPr>
             <a:fld id="{77E49314-4A78-2444-9569-44EB70168344}" type="datetime1">
               <a:rPr lang="en-US" smtClean="0"/>
-              <a:t>2/9/23</a:t>
+              <a:t>4/11/23</a:t>
             </a:fld>
             <a:endParaRPr lang="en-US"/>
           </a:p>
@@ -2076,7 +2075,7 @@
             </a:pPr>
             <a:fld id="{5BC22837-4683-B242-B000-BCEE30621787}" type="datetime1">
               <a:rPr lang="en-US" smtClean="0"/>
-              <a:t>2/9/23</a:t>
+              <a:t>4/11/23</a:t>
             </a:fld>
             <a:endParaRPr lang="en-US"/>
           </a:p>
@@ -2195,7 +2194,7 @@
             </a:pPr>
             <a:fld id="{DCDAE926-7EF1-0B40-B57E-417D188A609C}" type="datetime1">
               <a:rPr lang="en-US" smtClean="0"/>
-              <a:t>2/9/23</a:t>
+              <a:t>4/11/23</a:t>
             </a:fld>
             <a:endParaRPr lang="en-US"/>
           </a:p>
@@ -2494,7 +2493,7 @@
             </a:pPr>
             <a:fld id="{518D107B-B9C7-5B41-A168-55258AB95F52}" type="datetime1">
               <a:rPr lang="en-US" smtClean="0"/>
-              <a:t>2/9/23</a:t>
+              <a:t>4/11/23</a:t>
             </a:fld>
             <a:endParaRPr lang="en-US"/>
           </a:p>
@@ -2778,7 +2777,7 @@
             </a:pPr>
             <a:fld id="{3AD92D36-EE82-3142-B011-9831FB5E702F}" type="datetime1">
               <a:rPr lang="en-US" smtClean="0"/>
-              <a:t>2/9/23</a:t>
+              <a:t>4/11/23</a:t>
             </a:fld>
             <a:endParaRPr lang="en-US"/>
           </a:p>
@@ -2919,7 +2918,7 @@
               </a14:hiddenLine>
             </a:ext>
             <a:ext uri="{FAA26D3D-D897-4be2-8F04-BA451C77F1D7}">
-              <ma14:placeholderFlag xmlns:ma14="http://schemas.microsoft.com/office/mac/drawingml/2011/main" xmlns="" val="1"/>
+              <ma14:placeholderFlag xmlns="" xmlns:ma14="http://schemas.microsoft.com/office/mac/drawingml/2011/main" val="1"/>
             </a:ext>
           </a:extLst>
         </p:spPr>
@@ -2987,7 +2986,7 @@
               </a14:hiddenLine>
             </a:ext>
             <a:ext uri="{FAA26D3D-D897-4be2-8F04-BA451C77F1D7}">
-              <ma14:placeholderFlag xmlns:ma14="http://schemas.microsoft.com/office/mac/drawingml/2011/main" xmlns="" val="1"/>
+              <ma14:placeholderFlag xmlns="" xmlns:ma14="http://schemas.microsoft.com/office/mac/drawingml/2011/main" val="1"/>
             </a:ext>
           </a:extLst>
         </p:spPr>
@@ -3083,7 +3082,7 @@
             </a:pPr>
             <a:fld id="{3EE08B4B-7256-494F-A90D-3891BD685F4A}" type="datetime1">
               <a:rPr lang="en-US" smtClean="0"/>
-              <a:t>2/9/23</a:t>
+              <a:t>4/11/23</a:t>
             </a:fld>
             <a:endParaRPr lang="en-US" dirty="0"/>
           </a:p>
@@ -3785,7 +3784,7 @@
           <p:cNvPr id="2" name="Title 1">
             <a:extLst>
               <a:ext uri="{FF2B5EF4-FFF2-40B4-BE49-F238E27FC236}">
-                <a16:creationId xmlns:a16="http://schemas.microsoft.com/office/drawing/2014/main" id="{D979D8F0-6373-E345-8C4D-00903DBA0CE7}"/>
+                <a16:creationId xmlns:a16="http://schemas.microsoft.com/office/drawing/2014/main" id="{E84251A8-BC3E-754A-B33C-F5252F2440B6}"/>
               </a:ext>
             </a:extLst>
           </p:cNvPr>
@@ -3803,7 +3802,7 @@
           <a:p>
             <a:r>
               <a:rPr lang="en-US" dirty="0"/>
-              <a:t>MOX Fuels</a:t>
+              <a:t>MOX Restructuring</a:t>
             </a:r>
           </a:p>
         </p:txBody>
@@ -3813,7 +3812,7 @@
           <p:cNvPr id="3" name="Content Placeholder 2">
             <a:extLst>
               <a:ext uri="{FF2B5EF4-FFF2-40B4-BE49-F238E27FC236}">
-                <a16:creationId xmlns:a16="http://schemas.microsoft.com/office/drawing/2014/main" id="{AEF6B378-35F8-3242-BD7F-AA5805B45888}"/>
+                <a16:creationId xmlns:a16="http://schemas.microsoft.com/office/drawing/2014/main" id="{5C4ABDE3-8DD9-544F-A3F2-B54E2F4CA12A}"/>
               </a:ext>
             </a:extLst>
           </p:cNvPr>
@@ -3826,56 +3825,58 @@
         </p:nvSpPr>
         <p:spPr>
           <a:xfrm>
-            <a:off x="609600" y="2280746"/>
-            <a:ext cx="7082274" cy="3845418"/>
+            <a:off x="609600" y="2160494"/>
+            <a:ext cx="7192618" cy="4449027"/>
           </a:xfrm>
         </p:spPr>
         <p:txBody>
-          <a:bodyPr>
-            <a:noAutofit/>
-          </a:bodyPr>
+          <a:bodyPr/>
           <a:lstStyle/>
           <a:p>
             <a:r>
               <a:rPr lang="en-US" sz="2000" dirty="0"/>
-              <a:t>Most phenomena occurring inside oxide fuel pellets are thermally activated, and a good knowledge of the thermal field inside the fuel stack is key</a:t>
-            </a:r>
-          </a:p>
-          <a:p>
-            <a:r>
-              <a:rPr lang="en-US" sz="2000" dirty="0"/>
-              <a:t>Centerline temperatures can reach above 2000C, significantly higher than thermal LWRs</a:t>
-            </a:r>
-          </a:p>
-          <a:p>
-            <a:r>
-              <a:rPr lang="en-US" sz="2000" dirty="0"/>
-              <a:t>Thermal conductivity is low and degrades with irradiation</a:t>
-            </a:r>
-          </a:p>
-          <a:p>
-            <a:r>
-              <a:rPr lang="en-US" sz="2000" dirty="0"/>
-              <a:t>Due to the steep thermal gradient, thermal stress cracks form </a:t>
-            </a:r>
-          </a:p>
-          <a:p>
-            <a:r>
-              <a:rPr lang="en-US" sz="2000" dirty="0"/>
-              <a:t>Restructuring takes place due to the high temperatures, leading to distinct regions in the fuel</a:t>
+              <a:t>Pu bearing fast reactor oxide fuels display four defining regions of a restructured pellet:</a:t>
+            </a:r>
+          </a:p>
+          <a:p>
+            <a:pPr lvl="1"/>
+            <a:r>
+              <a:rPr lang="en-US" sz="2000" dirty="0"/>
+              <a:t>the central void, the columnar grain growth region, the equiaxed grain growth region, and the as-sintered region</a:t>
+            </a:r>
+          </a:p>
+          <a:p>
+            <a:r>
+              <a:rPr lang="en-US" sz="2000" dirty="0"/>
+              <a:t>The higher temperatures and heating rates form coarse, elongated grains that grow radially toward the outer rim of the fuel</a:t>
+            </a:r>
+          </a:p>
+          <a:p>
+            <a:r>
+              <a:rPr lang="en-US" sz="2000" dirty="0"/>
+              <a:t>The equiaxed region consists of grains that have undergone significant growth when compared to the un-irradiated samples</a:t>
+            </a:r>
+          </a:p>
+          <a:p>
+            <a:r>
+              <a:rPr lang="en-US" sz="2000" dirty="0"/>
+              <a:t>The central void forms from the accumulation of voids and pores present in the fuel along a thermal gradient</a:t>
             </a:r>
           </a:p>
           <a:p>
             <a:endParaRPr lang="en-US" sz="2000" dirty="0"/>
           </a:p>
-        </p:txBody>
-      </p:sp>
-      <p:sp>
-        <p:nvSpPr>
-          <p:cNvPr id="5" name="Slide Number Placeholder 4">
+          <a:p>
+            <a:endParaRPr lang="en-US" sz="2000" dirty="0"/>
+          </a:p>
+        </p:txBody>
+      </p:sp>
+      <p:sp>
+        <p:nvSpPr>
+          <p:cNvPr id="4" name="Slide Number Placeholder 3">
             <a:extLst>
               <a:ext uri="{FF2B5EF4-FFF2-40B4-BE49-F238E27FC236}">
-                <a16:creationId xmlns:a16="http://schemas.microsoft.com/office/drawing/2014/main" id="{D33C6E57-90AD-1244-B19C-60B5F752F204}"/>
+                <a16:creationId xmlns:a16="http://schemas.microsoft.com/office/drawing/2014/main" id="{94770477-52D8-0A4A-9AA5-684FADF01FB4}"/>
               </a:ext>
             </a:extLst>
           </p:cNvPr>
@@ -3900,223 +3901,6 @@
                 <a:defRPr/>
               </a:pPr>
               <a:t>10</a:t>
-            </a:fld>
-            <a:endParaRPr lang="en-US"/>
-          </a:p>
-        </p:txBody>
-      </p:sp>
-      <p:pic>
-        <p:nvPicPr>
-          <p:cNvPr id="7" name="Picture 6">
-            <a:extLst>
-              <a:ext uri="{FF2B5EF4-FFF2-40B4-BE49-F238E27FC236}">
-                <a16:creationId xmlns:a16="http://schemas.microsoft.com/office/drawing/2014/main" id="{A1AC2DEA-7714-0B45-8BC1-8D4FD34F3E51}"/>
-              </a:ext>
-            </a:extLst>
-          </p:cNvPr>
-          <p:cNvPicPr>
-            <a:picLocks noChangeAspect="1"/>
-          </p:cNvPicPr>
-          <p:nvPr/>
-        </p:nvPicPr>
-        <p:blipFill>
-          <a:blip r:embed="rId2"/>
-          <a:stretch>
-            <a:fillRect/>
-          </a:stretch>
-        </p:blipFill>
-        <p:spPr>
-          <a:xfrm>
-            <a:off x="8209998" y="1405493"/>
-            <a:ext cx="2844800" cy="2387191"/>
-          </a:xfrm>
-          <a:prstGeom prst="rect">
-            <a:avLst/>
-          </a:prstGeom>
-        </p:spPr>
-      </p:pic>
-      <p:pic>
-        <p:nvPicPr>
-          <p:cNvPr id="8" name="Picture 7">
-            <a:extLst>
-              <a:ext uri="{FF2B5EF4-FFF2-40B4-BE49-F238E27FC236}">
-                <a16:creationId xmlns:a16="http://schemas.microsoft.com/office/drawing/2014/main" id="{6377BF14-4331-0444-A21A-5DE2FD89FAA0}"/>
-              </a:ext>
-            </a:extLst>
-          </p:cNvPr>
-          <p:cNvPicPr>
-            <a:picLocks noChangeAspect="1"/>
-          </p:cNvPicPr>
-          <p:nvPr/>
-        </p:nvPicPr>
-        <p:blipFill>
-          <a:blip r:embed="rId3"/>
-          <a:stretch>
-            <a:fillRect/>
-          </a:stretch>
-        </p:blipFill>
-        <p:spPr>
-          <a:xfrm>
-            <a:off x="8140976" y="4004853"/>
-            <a:ext cx="3384824" cy="2387191"/>
-          </a:xfrm>
-          <a:prstGeom prst="rect">
-            <a:avLst/>
-          </a:prstGeom>
-        </p:spPr>
-      </p:pic>
-    </p:spTree>
-    <p:extLst>
-      <p:ext uri="{BB962C8B-B14F-4D97-AF65-F5344CB8AC3E}">
-        <p14:creationId xmlns:p14="http://schemas.microsoft.com/office/powerpoint/2010/main" val="2736021547"/>
-      </p:ext>
-    </p:extLst>
-  </p:cSld>
-  <p:clrMapOvr>
-    <a:masterClrMapping/>
-  </p:clrMapOvr>
-</p:sld>
-</file>
-
-<file path=ppt/slides/slide11.xml><?xml version="1.0" encoding="utf-8"?>
-<p:sld xmlns:a="http://schemas.openxmlformats.org/drawingml/2006/main" xmlns:r="http://schemas.openxmlformats.org/officeDocument/2006/relationships" xmlns:p="http://schemas.openxmlformats.org/presentationml/2006/main">
-  <p:cSld>
-    <p:spTree>
-      <p:nvGrpSpPr>
-        <p:cNvPr id="1" name=""/>
-        <p:cNvGrpSpPr/>
-        <p:nvPr/>
-      </p:nvGrpSpPr>
-      <p:grpSpPr>
-        <a:xfrm>
-          <a:off x="0" y="0"/>
-          <a:ext cx="0" cy="0"/>
-          <a:chOff x="0" y="0"/>
-          <a:chExt cx="0" cy="0"/>
-        </a:xfrm>
-      </p:grpSpPr>
-      <p:sp>
-        <p:nvSpPr>
-          <p:cNvPr id="2" name="Title 1">
-            <a:extLst>
-              <a:ext uri="{FF2B5EF4-FFF2-40B4-BE49-F238E27FC236}">
-                <a16:creationId xmlns:a16="http://schemas.microsoft.com/office/drawing/2014/main" id="{E84251A8-BC3E-754A-B33C-F5252F2440B6}"/>
-              </a:ext>
-            </a:extLst>
-          </p:cNvPr>
-          <p:cNvSpPr>
-            <a:spLocks noGrp="1"/>
-          </p:cNvSpPr>
-          <p:nvPr>
-            <p:ph type="title"/>
-          </p:nvPr>
-        </p:nvSpPr>
-        <p:spPr/>
-        <p:txBody>
-          <a:bodyPr/>
-          <a:lstStyle/>
-          <a:p>
-            <a:r>
-              <a:rPr lang="en-US" dirty="0"/>
-              <a:t>MOX Restructuring</a:t>
-            </a:r>
-          </a:p>
-        </p:txBody>
-      </p:sp>
-      <p:sp>
-        <p:nvSpPr>
-          <p:cNvPr id="3" name="Content Placeholder 2">
-            <a:extLst>
-              <a:ext uri="{FF2B5EF4-FFF2-40B4-BE49-F238E27FC236}">
-                <a16:creationId xmlns:a16="http://schemas.microsoft.com/office/drawing/2014/main" id="{5C4ABDE3-8DD9-544F-A3F2-B54E2F4CA12A}"/>
-              </a:ext>
-            </a:extLst>
-          </p:cNvPr>
-          <p:cNvSpPr>
-            <a:spLocks noGrp="1"/>
-          </p:cNvSpPr>
-          <p:nvPr>
-            <p:ph idx="1"/>
-          </p:nvPr>
-        </p:nvSpPr>
-        <p:spPr>
-          <a:xfrm>
-            <a:off x="609600" y="2160494"/>
-            <a:ext cx="7192618" cy="4449027"/>
-          </a:xfrm>
-        </p:spPr>
-        <p:txBody>
-          <a:bodyPr/>
-          <a:lstStyle/>
-          <a:p>
-            <a:r>
-              <a:rPr lang="en-US" sz="2000" dirty="0"/>
-              <a:t>Pu bearing fast reactor oxide fuels display four defining regions of a restructured pellet:</a:t>
-            </a:r>
-          </a:p>
-          <a:p>
-            <a:pPr lvl="1"/>
-            <a:r>
-              <a:rPr lang="en-US" sz="2000" dirty="0"/>
-              <a:t>the central void, the columnar grain growth region, the equiaxed grain growth region, and the as-sintered region</a:t>
-            </a:r>
-          </a:p>
-          <a:p>
-            <a:r>
-              <a:rPr lang="en-US" sz="2000" dirty="0"/>
-              <a:t>The higher temperatures and heating rates form coarse, elongated grains that grow radially toward the outer rim of the fuel</a:t>
-            </a:r>
-          </a:p>
-          <a:p>
-            <a:r>
-              <a:rPr lang="en-US" sz="2000" dirty="0"/>
-              <a:t>The equiaxed region consists of grains that have undergone significant growth when compared to the un-irradiated samples</a:t>
-            </a:r>
-          </a:p>
-          <a:p>
-            <a:r>
-              <a:rPr lang="en-US" sz="2000" dirty="0"/>
-              <a:t>The central void forms from the accumulation of voids and pores present in the fuel along a thermal gradient</a:t>
-            </a:r>
-          </a:p>
-          <a:p>
-            <a:endParaRPr lang="en-US" sz="2000" dirty="0"/>
-          </a:p>
-          <a:p>
-            <a:endParaRPr lang="en-US" sz="2000" dirty="0"/>
-          </a:p>
-        </p:txBody>
-      </p:sp>
-      <p:sp>
-        <p:nvSpPr>
-          <p:cNvPr id="4" name="Slide Number Placeholder 3">
-            <a:extLst>
-              <a:ext uri="{FF2B5EF4-FFF2-40B4-BE49-F238E27FC236}">
-                <a16:creationId xmlns:a16="http://schemas.microsoft.com/office/drawing/2014/main" id="{94770477-52D8-0A4A-9AA5-684FADF01FB4}"/>
-              </a:ext>
-            </a:extLst>
-          </p:cNvPr>
-          <p:cNvSpPr>
-            <a:spLocks noGrp="1"/>
-          </p:cNvSpPr>
-          <p:nvPr>
-            <p:ph type="sldNum" sz="quarter" idx="12"/>
-          </p:nvPr>
-        </p:nvSpPr>
-        <p:spPr/>
-        <p:txBody>
-          <a:bodyPr/>
-          <a:lstStyle/>
-          <a:p>
-            <a:pPr>
-              <a:defRPr/>
-            </a:pPr>
-            <a:fld id="{3FF2C605-4958-CF43-AA48-80339EFDB0AF}" type="slidenum">
-              <a:rPr lang="en-US" smtClean="0"/>
-              <a:pPr>
-                <a:defRPr/>
-              </a:pPr>
-              <a:t>11</a:t>
             </a:fld>
             <a:endParaRPr lang="en-US"/>
           </a:p>
@@ -4201,7 +3985,7 @@
 </p:sld>
 </file>
 
-<file path=ppt/slides/slide12.xml><?xml version="1.0" encoding="utf-8"?>
+<file path=ppt/slides/slide11.xml><?xml version="1.0" encoding="utf-8"?>
 <p:sld xmlns:a="http://schemas.openxmlformats.org/drawingml/2006/main" xmlns:r="http://schemas.openxmlformats.org/officeDocument/2006/relationships" xmlns:p="http://schemas.openxmlformats.org/presentationml/2006/main">
   <p:cSld>
     <p:spTree>
@@ -4337,7 +4121,7 @@
               <a:pPr>
                 <a:defRPr/>
               </a:pPr>
-              <a:t>12</a:t>
+              <a:t>11</a:t>
             </a:fld>
             <a:endParaRPr lang="en-US"/>
           </a:p>
@@ -4416,6 +4200,154 @@
 </p:sld>
 </file>
 
+<file path=ppt/slides/slide12.xml><?xml version="1.0" encoding="utf-8"?>
+<p:sld xmlns:a="http://schemas.openxmlformats.org/drawingml/2006/main" xmlns:r="http://schemas.openxmlformats.org/officeDocument/2006/relationships" xmlns:p="http://schemas.openxmlformats.org/presentationml/2006/main">
+  <p:cSld>
+    <p:spTree>
+      <p:nvGrpSpPr>
+        <p:cNvPr id="1" name=""/>
+        <p:cNvGrpSpPr/>
+        <p:nvPr/>
+      </p:nvGrpSpPr>
+      <p:grpSpPr>
+        <a:xfrm>
+          <a:off x="0" y="0"/>
+          <a:ext cx="0" cy="0"/>
+          <a:chOff x="0" y="0"/>
+          <a:chExt cx="0" cy="0"/>
+        </a:xfrm>
+      </p:grpSpPr>
+      <p:sp>
+        <p:nvSpPr>
+          <p:cNvPr id="2" name="Title 1">
+            <a:extLst>
+              <a:ext uri="{FF2B5EF4-FFF2-40B4-BE49-F238E27FC236}">
+                <a16:creationId xmlns:a16="http://schemas.microsoft.com/office/drawing/2014/main" id="{7A426425-1975-D04D-B9CC-0CC53FDC91C0}"/>
+              </a:ext>
+            </a:extLst>
+          </p:cNvPr>
+          <p:cNvSpPr>
+            <a:spLocks noGrp="1"/>
+          </p:cNvSpPr>
+          <p:nvPr>
+            <p:ph type="title"/>
+          </p:nvPr>
+        </p:nvSpPr>
+        <p:spPr/>
+        <p:txBody>
+          <a:bodyPr/>
+          <a:lstStyle/>
+          <a:p>
+            <a:r>
+              <a:rPr lang="en-US" dirty="0"/>
+              <a:t>Gap Closure</a:t>
+            </a:r>
+          </a:p>
+        </p:txBody>
+      </p:sp>
+      <p:sp>
+        <p:nvSpPr>
+          <p:cNvPr id="3" name="Content Placeholder 2">
+            <a:extLst>
+              <a:ext uri="{FF2B5EF4-FFF2-40B4-BE49-F238E27FC236}">
+                <a16:creationId xmlns:a16="http://schemas.microsoft.com/office/drawing/2014/main" id="{05F664B4-0B38-0648-A64D-9A2A43A43F42}"/>
+              </a:ext>
+            </a:extLst>
+          </p:cNvPr>
+          <p:cNvSpPr>
+            <a:spLocks noGrp="1"/>
+          </p:cNvSpPr>
+          <p:nvPr>
+            <p:ph idx="1"/>
+          </p:nvPr>
+        </p:nvSpPr>
+        <p:spPr/>
+        <p:txBody>
+          <a:bodyPr/>
+          <a:lstStyle/>
+          <a:p>
+            <a:r>
+              <a:rPr lang="en-US" sz="2000" dirty="0"/>
+              <a:t>Although the thermal expansion coefficient is lower in oxide fuel than in austenitic stainless steel cladding the temperatures in the fuel pellets are much higher than in the cladding and induce a higher thermal expansion in the fuel pellet</a:t>
+            </a:r>
+          </a:p>
+          <a:p>
+            <a:r>
+              <a:rPr lang="en-US" sz="2000" dirty="0"/>
+              <a:t>At high linear powers gap closure is completed after a burnup of about 1% or even less</a:t>
+            </a:r>
+          </a:p>
+          <a:p>
+            <a:r>
+              <a:rPr lang="en-US" sz="2000" dirty="0"/>
+              <a:t>Fuel pellets are broken into several fragments at the end of first rise to power,  resulting in a small average displacement of matter toward the cladding</a:t>
+            </a:r>
+          </a:p>
+          <a:p>
+            <a:r>
+              <a:rPr lang="en-US" sz="2000" dirty="0"/>
+              <a:t>The force exerted on the fuel column by the spring located in the upper part of causes an axial compression creep</a:t>
+            </a:r>
+          </a:p>
+          <a:p>
+            <a:r>
+              <a:rPr lang="en-US" sz="2000" dirty="0"/>
+              <a:t>The main cause of gap closure is probably the gaseous swelling of the fuel </a:t>
+            </a:r>
+          </a:p>
+          <a:p>
+            <a:endParaRPr lang="en-US" sz="2000" dirty="0"/>
+          </a:p>
+        </p:txBody>
+      </p:sp>
+      <p:sp>
+        <p:nvSpPr>
+          <p:cNvPr id="4" name="Slide Number Placeholder 3">
+            <a:extLst>
+              <a:ext uri="{FF2B5EF4-FFF2-40B4-BE49-F238E27FC236}">
+                <a16:creationId xmlns:a16="http://schemas.microsoft.com/office/drawing/2014/main" id="{7AB73653-CD57-884E-A065-63F212B07577}"/>
+              </a:ext>
+            </a:extLst>
+          </p:cNvPr>
+          <p:cNvSpPr>
+            <a:spLocks noGrp="1"/>
+          </p:cNvSpPr>
+          <p:nvPr>
+            <p:ph type="sldNum" sz="quarter" idx="12"/>
+          </p:nvPr>
+        </p:nvSpPr>
+        <p:spPr/>
+        <p:txBody>
+          <a:bodyPr/>
+          <a:lstStyle/>
+          <a:p>
+            <a:pPr>
+              <a:defRPr/>
+            </a:pPr>
+            <a:fld id="{3FF2C605-4958-CF43-AA48-80339EFDB0AF}" type="slidenum">
+              <a:rPr lang="en-US" smtClean="0"/>
+              <a:pPr>
+                <a:defRPr/>
+              </a:pPr>
+              <a:t>12</a:t>
+            </a:fld>
+            <a:endParaRPr lang="en-US"/>
+          </a:p>
+        </p:txBody>
+      </p:sp>
+    </p:spTree>
+    <p:extLst>
+      <p:ext uri="{BB962C8B-B14F-4D97-AF65-F5344CB8AC3E}">
+        <p14:creationId xmlns:p14="http://schemas.microsoft.com/office/powerpoint/2010/main" val="2284134872"/>
+      </p:ext>
+    </p:extLst>
+  </p:cSld>
+  <p:clrMapOvr>
+    <a:masterClrMapping/>
+  </p:clrMapOvr>
+</p:sld>
+</file>
+
 <file path=ppt/slides/slide13.xml><?xml version="1.0" encoding="utf-8"?>
 <p:sld xmlns:a="http://schemas.openxmlformats.org/drawingml/2006/main" xmlns:r="http://schemas.openxmlformats.org/officeDocument/2006/relationships" xmlns:p="http://schemas.openxmlformats.org/presentationml/2006/main">
   <p:cSld>
@@ -4438,7 +4370,7 @@
           <p:cNvPr id="2" name="Title 1">
             <a:extLst>
               <a:ext uri="{FF2B5EF4-FFF2-40B4-BE49-F238E27FC236}">
-                <a16:creationId xmlns:a16="http://schemas.microsoft.com/office/drawing/2014/main" id="{7A426425-1975-D04D-B9CC-0CC53FDC91C0}"/>
+                <a16:creationId xmlns:a16="http://schemas.microsoft.com/office/drawing/2014/main" id="{BF7019E5-DA94-F94C-AD25-4FBEC1006151}"/>
               </a:ext>
             </a:extLst>
           </p:cNvPr>
@@ -4456,7 +4388,7 @@
           <a:p>
             <a:r>
               <a:rPr lang="en-US" dirty="0"/>
-              <a:t>Gap Closure</a:t>
+              <a:t>Fission Products</a:t>
             </a:r>
           </a:p>
         </p:txBody>
@@ -4466,7 +4398,7 @@
           <p:cNvPr id="3" name="Content Placeholder 2">
             <a:extLst>
               <a:ext uri="{FF2B5EF4-FFF2-40B4-BE49-F238E27FC236}">
-                <a16:creationId xmlns:a16="http://schemas.microsoft.com/office/drawing/2014/main" id="{05F664B4-0B38-0648-A64D-9A2A43A43F42}"/>
+                <a16:creationId xmlns:a16="http://schemas.microsoft.com/office/drawing/2014/main" id="{9B3E3842-85CB-E14B-AA13-1ECCB597D916}"/>
               </a:ext>
             </a:extLst>
           </p:cNvPr>
@@ -4484,32 +4416,50 @@
           <a:p>
             <a:r>
               <a:rPr lang="en-US" sz="2000" dirty="0"/>
-              <a:t>Although the thermal expansion coefficient is lower in oxide fuel than in austenitic stainless steel cladding the temperatures in the fuel pellets are much higher than in the cladding and induce a higher thermal expansion in the fuel pellet</a:t>
-            </a:r>
-          </a:p>
-          <a:p>
-            <a:r>
-              <a:rPr lang="en-US" sz="2000" dirty="0"/>
-              <a:t>At high linear powers gap closure is completed after a burnup of about 1% or even less</a:t>
-            </a:r>
-          </a:p>
-          <a:p>
-            <a:r>
-              <a:rPr lang="en-US" sz="2000" dirty="0"/>
-              <a:t>Fuel pellets are broken into several fragments at the end of first rise to power,  resulting in a small average displacement of matter toward the cladding</a:t>
-            </a:r>
-          </a:p>
-          <a:p>
-            <a:r>
-              <a:rPr lang="en-US" sz="2000" dirty="0"/>
-              <a:t>The force exerted on the fuel column by the spring located in the upper part of causes an axial compression creep</a:t>
-            </a:r>
-          </a:p>
-          <a:p>
-            <a:r>
-              <a:rPr lang="en-US" sz="2000" dirty="0"/>
-              <a:t>The main cause of gap closure is probably the gaseous swelling of the fuel </a:t>
-            </a:r>
+              <a:t>The main objective of oxide fuels in fast reactors is to achieve very high burnup; 15 at.% or even more is typically considered as a reference target</a:t>
+            </a:r>
+          </a:p>
+          <a:p>
+            <a:r>
+              <a:rPr lang="en-US" sz="2000" dirty="0"/>
+              <a:t>This means that at the end of irradiation, 15% of the initial actinide atoms (U and Pu) have disappeared and 30% new atoms are present in the fuel</a:t>
+            </a:r>
+          </a:p>
+          <a:p>
+            <a:r>
+              <a:rPr lang="en-US" sz="2000" dirty="0"/>
+              <a:t>All physical and chemical properties of oxide fuel will continuously evolve during its lifetime in the reactor; in particular, fission products will induce a decrease of thermal conductivity as well as a decrease of melting point, thus reducing the margin to fuel melting</a:t>
+            </a:r>
+          </a:p>
+          <a:p>
+            <a:r>
+              <a:rPr lang="en-US" sz="2000" dirty="0"/>
+              <a:t>Most phenomena occurring in the fuel pins will be a direct consequence of these fission products</a:t>
+            </a:r>
+          </a:p>
+          <a:p>
+            <a:r>
+              <a:rPr lang="en-US" sz="2000" dirty="0"/>
+              <a:t>This large amount of fission products is one of the specificities of fast oxide fuel</a:t>
+            </a:r>
+          </a:p>
+          <a:p>
+            <a:r>
+              <a:rPr lang="en-US" sz="2000" dirty="0"/>
+              <a:t>The fission products effects depend upon the chemical state of the fission product, which is influenced by the oxygen potential of the fuel</a:t>
+            </a:r>
+          </a:p>
+          <a:p>
+            <a:endParaRPr lang="en-US" sz="2000" dirty="0"/>
+          </a:p>
+          <a:p>
+            <a:endParaRPr lang="en-US" sz="2000" dirty="0"/>
+          </a:p>
+          <a:p>
+            <a:endParaRPr lang="en-US" sz="2000" dirty="0"/>
+          </a:p>
+          <a:p>
+            <a:endParaRPr lang="en-US" sz="2000" dirty="0"/>
           </a:p>
           <a:p>
             <a:endParaRPr lang="en-US" sz="2000" dirty="0"/>
@@ -4521,7 +4471,7 @@
           <p:cNvPr id="4" name="Slide Number Placeholder 3">
             <a:extLst>
               <a:ext uri="{FF2B5EF4-FFF2-40B4-BE49-F238E27FC236}">
-                <a16:creationId xmlns:a16="http://schemas.microsoft.com/office/drawing/2014/main" id="{7AB73653-CD57-884E-A065-63F212B07577}"/>
+                <a16:creationId xmlns:a16="http://schemas.microsoft.com/office/drawing/2014/main" id="{64F273F9-D0F0-2C41-9811-22B9889ACA3C}"/>
               </a:ext>
             </a:extLst>
           </p:cNvPr>
@@ -4554,7 +4504,7 @@
     </p:spTree>
     <p:extLst>
       <p:ext uri="{BB962C8B-B14F-4D97-AF65-F5344CB8AC3E}">
-        <p14:creationId xmlns:p14="http://schemas.microsoft.com/office/powerpoint/2010/main" val="2284134872"/>
+        <p14:creationId xmlns:p14="http://schemas.microsoft.com/office/powerpoint/2010/main" val="3986632092"/>
       </p:ext>
     </p:extLst>
   </p:cSld>
@@ -4586,7 +4536,7 @@
           <p:cNvPr id="2" name="Title 1">
             <a:extLst>
               <a:ext uri="{FF2B5EF4-FFF2-40B4-BE49-F238E27FC236}">
-                <a16:creationId xmlns:a16="http://schemas.microsoft.com/office/drawing/2014/main" id="{BF7019E5-DA94-F94C-AD25-4FBEC1006151}"/>
+                <a16:creationId xmlns:a16="http://schemas.microsoft.com/office/drawing/2014/main" id="{45D76C62-1E50-BE44-8E45-171B5AE49206}"/>
               </a:ext>
             </a:extLst>
           </p:cNvPr>
@@ -4614,7 +4564,7 @@
           <p:cNvPr id="3" name="Content Placeholder 2">
             <a:extLst>
               <a:ext uri="{FF2B5EF4-FFF2-40B4-BE49-F238E27FC236}">
-                <a16:creationId xmlns:a16="http://schemas.microsoft.com/office/drawing/2014/main" id="{9B3E3842-85CB-E14B-AA13-1ECCB597D916}"/>
+                <a16:creationId xmlns:a16="http://schemas.microsoft.com/office/drawing/2014/main" id="{69B28602-5037-9F4A-838A-EAE9F1C17120}"/>
               </a:ext>
             </a:extLst>
           </p:cNvPr>
@@ -4625,51 +4575,51 @@
             <p:ph idx="1"/>
           </p:nvPr>
         </p:nvSpPr>
-        <p:spPr/>
+        <p:spPr>
+          <a:xfrm>
+            <a:off x="609600" y="2160495"/>
+            <a:ext cx="6795052" cy="3965670"/>
+          </a:xfrm>
+        </p:spPr>
         <p:txBody>
           <a:bodyPr/>
           <a:lstStyle/>
           <a:p>
             <a:r>
               <a:rPr lang="en-US" sz="2000" dirty="0"/>
-              <a:t>The main objective of oxide fuels in fast reactors is to achieve very high burnup; 15 at.% or even more is typically considered as a reference target</a:t>
-            </a:r>
-          </a:p>
-          <a:p>
-            <a:r>
-              <a:rPr lang="en-US" sz="2000" dirty="0"/>
-              <a:t>This means that at the end of irradiation, 15% of the initial actinide atoms (U and Pu) have disappeared and 30% new atoms are present in the fuel</a:t>
-            </a:r>
-          </a:p>
-          <a:p>
-            <a:r>
-              <a:rPr lang="en-US" sz="2000" dirty="0"/>
-              <a:t>All physical and chemical properties of oxide fuel will continuously evolve during its lifetime in the reactor; in particular, fission products will induce a decrease of thermal conductivity as well as a decrease of melting point, thus reducing the margin to fuel melting</a:t>
-            </a:r>
-          </a:p>
-          <a:p>
-            <a:r>
-              <a:rPr lang="en-US" sz="2000" dirty="0"/>
-              <a:t>Most phenomena occurring in the fuel pins will be a direct consequence of these fission products</a:t>
-            </a:r>
-          </a:p>
-          <a:p>
-            <a:r>
-              <a:rPr lang="en-US" sz="2000" dirty="0"/>
-              <a:t>This large amount of fission products is one of the specificities of fast oxide fuel</a:t>
-            </a:r>
-          </a:p>
-          <a:p>
-            <a:r>
-              <a:rPr lang="en-US" sz="2000" dirty="0"/>
-              <a:t>The fission products effects depend upon the chemical state of the fission product, which is influenced by the oxygen potential of the fuel</a:t>
-            </a:r>
-          </a:p>
-          <a:p>
-            <a:endParaRPr lang="en-US" sz="2000" dirty="0"/>
-          </a:p>
-          <a:p>
-            <a:endParaRPr lang="en-US" sz="2000" dirty="0"/>
+              <a:t>Fission products lie in the main five families:</a:t>
+            </a:r>
+          </a:p>
+          <a:p>
+            <a:pPr lvl="1"/>
+            <a:r>
+              <a:rPr lang="en-US" sz="2000" dirty="0"/>
+              <a:t>solid solution, oxide precipitates, metallic precipitates, volatile gases, noble gases</a:t>
+            </a:r>
+          </a:p>
+          <a:p>
+            <a:r>
+              <a:rPr lang="en-US" sz="2000" dirty="0"/>
+              <a:t>On the metallographs of fuel irradiated at high burnup, white inclusions are systematically observed</a:t>
+            </a:r>
+          </a:p>
+          <a:p>
+            <a:r>
+              <a:rPr lang="en-US" sz="2000" dirty="0"/>
+              <a:t>The higher the burnup and the temperature, the larger these precipitates</a:t>
+            </a:r>
+          </a:p>
+          <a:p>
+            <a:r>
+              <a:rPr lang="en-US" sz="2000" dirty="0"/>
+              <a:t>In most cases, EPMA on these precipitates shows essentially five elements: Mo, Ru, Tc, Rh, and Pd.</a:t>
+            </a:r>
+          </a:p>
+          <a:p>
+            <a:r>
+              <a:rPr lang="en-US" sz="2000" dirty="0"/>
+              <a:t>They are the five ‘noble metal’ fission products with the highest yield</a:t>
+            </a:r>
           </a:p>
           <a:p>
             <a:endParaRPr lang="en-US" sz="2000" dirty="0"/>
@@ -4687,7 +4637,7 @@
           <p:cNvPr id="4" name="Slide Number Placeholder 3">
             <a:extLst>
               <a:ext uri="{FF2B5EF4-FFF2-40B4-BE49-F238E27FC236}">
-                <a16:creationId xmlns:a16="http://schemas.microsoft.com/office/drawing/2014/main" id="{64F273F9-D0F0-2C41-9811-22B9889ACA3C}"/>
+                <a16:creationId xmlns:a16="http://schemas.microsoft.com/office/drawing/2014/main" id="{6CEE671A-0BB3-5A45-AC52-4A8C32461201}"/>
               </a:ext>
             </a:extLst>
           </p:cNvPr>
@@ -4712,172 +4662,6 @@
                 <a:defRPr/>
               </a:pPr>
               <a:t>14</a:t>
-            </a:fld>
-            <a:endParaRPr lang="en-US"/>
-          </a:p>
-        </p:txBody>
-      </p:sp>
-    </p:spTree>
-    <p:extLst>
-      <p:ext uri="{BB962C8B-B14F-4D97-AF65-F5344CB8AC3E}">
-        <p14:creationId xmlns:p14="http://schemas.microsoft.com/office/powerpoint/2010/main" val="3986632092"/>
-      </p:ext>
-    </p:extLst>
-  </p:cSld>
-  <p:clrMapOvr>
-    <a:masterClrMapping/>
-  </p:clrMapOvr>
-</p:sld>
-</file>
-
-<file path=ppt/slides/slide15.xml><?xml version="1.0" encoding="utf-8"?>
-<p:sld xmlns:a="http://schemas.openxmlformats.org/drawingml/2006/main" xmlns:r="http://schemas.openxmlformats.org/officeDocument/2006/relationships" xmlns:p="http://schemas.openxmlformats.org/presentationml/2006/main">
-  <p:cSld>
-    <p:spTree>
-      <p:nvGrpSpPr>
-        <p:cNvPr id="1" name=""/>
-        <p:cNvGrpSpPr/>
-        <p:nvPr/>
-      </p:nvGrpSpPr>
-      <p:grpSpPr>
-        <a:xfrm>
-          <a:off x="0" y="0"/>
-          <a:ext cx="0" cy="0"/>
-          <a:chOff x="0" y="0"/>
-          <a:chExt cx="0" cy="0"/>
-        </a:xfrm>
-      </p:grpSpPr>
-      <p:sp>
-        <p:nvSpPr>
-          <p:cNvPr id="2" name="Title 1">
-            <a:extLst>
-              <a:ext uri="{FF2B5EF4-FFF2-40B4-BE49-F238E27FC236}">
-                <a16:creationId xmlns:a16="http://schemas.microsoft.com/office/drawing/2014/main" id="{45D76C62-1E50-BE44-8E45-171B5AE49206}"/>
-              </a:ext>
-            </a:extLst>
-          </p:cNvPr>
-          <p:cNvSpPr>
-            <a:spLocks noGrp="1"/>
-          </p:cNvSpPr>
-          <p:nvPr>
-            <p:ph type="title"/>
-          </p:nvPr>
-        </p:nvSpPr>
-        <p:spPr/>
-        <p:txBody>
-          <a:bodyPr/>
-          <a:lstStyle/>
-          <a:p>
-            <a:r>
-              <a:rPr lang="en-US" dirty="0"/>
-              <a:t>Fission Products</a:t>
-            </a:r>
-          </a:p>
-        </p:txBody>
-      </p:sp>
-      <p:sp>
-        <p:nvSpPr>
-          <p:cNvPr id="3" name="Content Placeholder 2">
-            <a:extLst>
-              <a:ext uri="{FF2B5EF4-FFF2-40B4-BE49-F238E27FC236}">
-                <a16:creationId xmlns:a16="http://schemas.microsoft.com/office/drawing/2014/main" id="{69B28602-5037-9F4A-838A-EAE9F1C17120}"/>
-              </a:ext>
-            </a:extLst>
-          </p:cNvPr>
-          <p:cNvSpPr>
-            <a:spLocks noGrp="1"/>
-          </p:cNvSpPr>
-          <p:nvPr>
-            <p:ph idx="1"/>
-          </p:nvPr>
-        </p:nvSpPr>
-        <p:spPr>
-          <a:xfrm>
-            <a:off x="609600" y="2160495"/>
-            <a:ext cx="6795052" cy="3965670"/>
-          </a:xfrm>
-        </p:spPr>
-        <p:txBody>
-          <a:bodyPr/>
-          <a:lstStyle/>
-          <a:p>
-            <a:r>
-              <a:rPr lang="en-US" sz="2000" dirty="0"/>
-              <a:t>Fission products lie in the main five families:</a:t>
-            </a:r>
-          </a:p>
-          <a:p>
-            <a:pPr lvl="1"/>
-            <a:r>
-              <a:rPr lang="en-US" sz="2000" dirty="0"/>
-              <a:t>solid solution, oxide precipitates, metallic precipitates, volatile gases, noble gases</a:t>
-            </a:r>
-          </a:p>
-          <a:p>
-            <a:r>
-              <a:rPr lang="en-US" sz="2000" dirty="0"/>
-              <a:t>On the metallographs of fuel irradiated at high burnup, white inclusions are systematically observed</a:t>
-            </a:r>
-          </a:p>
-          <a:p>
-            <a:r>
-              <a:rPr lang="en-US" sz="2000" dirty="0"/>
-              <a:t>The higher the burnup and the temperature, the larger these precipitates</a:t>
-            </a:r>
-          </a:p>
-          <a:p>
-            <a:r>
-              <a:rPr lang="en-US" sz="2000" dirty="0"/>
-              <a:t>In most cases, EPMA on these precipitates shows essentially five elements: Mo, Ru, Tc, Rh, and Pd.</a:t>
-            </a:r>
-          </a:p>
-          <a:p>
-            <a:r>
-              <a:rPr lang="en-US" sz="2000" dirty="0"/>
-              <a:t>They are the five ‘noble metal’ fission products with the highest yield</a:t>
-            </a:r>
-          </a:p>
-          <a:p>
-            <a:endParaRPr lang="en-US" sz="2000" dirty="0"/>
-          </a:p>
-          <a:p>
-            <a:endParaRPr lang="en-US" sz="2000" dirty="0"/>
-          </a:p>
-          <a:p>
-            <a:endParaRPr lang="en-US" sz="2000" dirty="0"/>
-          </a:p>
-        </p:txBody>
-      </p:sp>
-      <p:sp>
-        <p:nvSpPr>
-          <p:cNvPr id="4" name="Slide Number Placeholder 3">
-            <a:extLst>
-              <a:ext uri="{FF2B5EF4-FFF2-40B4-BE49-F238E27FC236}">
-                <a16:creationId xmlns:a16="http://schemas.microsoft.com/office/drawing/2014/main" id="{6CEE671A-0BB3-5A45-AC52-4A8C32461201}"/>
-              </a:ext>
-            </a:extLst>
-          </p:cNvPr>
-          <p:cNvSpPr>
-            <a:spLocks noGrp="1"/>
-          </p:cNvSpPr>
-          <p:nvPr>
-            <p:ph type="sldNum" sz="quarter" idx="12"/>
-          </p:nvPr>
-        </p:nvSpPr>
-        <p:spPr/>
-        <p:txBody>
-          <a:bodyPr/>
-          <a:lstStyle/>
-          <a:p>
-            <a:pPr>
-              <a:defRPr/>
-            </a:pPr>
-            <a:fld id="{3FF2C605-4958-CF43-AA48-80339EFDB0AF}" type="slidenum">
-              <a:rPr lang="en-US" smtClean="0"/>
-              <a:pPr>
-                <a:defRPr/>
-              </a:pPr>
-              <a:t>15</a:t>
             </a:fld>
             <a:endParaRPr lang="en-US"/>
           </a:p>
@@ -4926,7 +4710,7 @@
 </p:sld>
 </file>
 
-<file path=ppt/slides/slide16.xml><?xml version="1.0" encoding="utf-8"?>
+<file path=ppt/slides/slide15.xml><?xml version="1.0" encoding="utf-8"?>
 <p:sld xmlns:a="http://schemas.openxmlformats.org/drawingml/2006/main" xmlns:r="http://schemas.openxmlformats.org/officeDocument/2006/relationships" xmlns:p="http://schemas.openxmlformats.org/presentationml/2006/main">
   <p:cSld>
     <p:spTree>
@@ -5076,7 +4860,7 @@
               <a:pPr>
                 <a:defRPr/>
               </a:pPr>
-              <a:t>16</a:t>
+              <a:t>15</a:t>
             </a:fld>
             <a:endParaRPr lang="en-US"/>
           </a:p>
@@ -5125,6 +4909,182 @@
 </p:sld>
 </file>
 
+<file path=ppt/slides/slide16.xml><?xml version="1.0" encoding="utf-8"?>
+<p:sld xmlns:a="http://schemas.openxmlformats.org/drawingml/2006/main" xmlns:r="http://schemas.openxmlformats.org/officeDocument/2006/relationships" xmlns:p="http://schemas.openxmlformats.org/presentationml/2006/main">
+  <p:cSld>
+    <p:spTree>
+      <p:nvGrpSpPr>
+        <p:cNvPr id="1" name=""/>
+        <p:cNvGrpSpPr/>
+        <p:nvPr/>
+      </p:nvGrpSpPr>
+      <p:grpSpPr>
+        <a:xfrm>
+          <a:off x="0" y="0"/>
+          <a:ext cx="0" cy="0"/>
+          <a:chOff x="0" y="0"/>
+          <a:chExt cx="0" cy="0"/>
+        </a:xfrm>
+      </p:grpSpPr>
+      <p:sp>
+        <p:nvSpPr>
+          <p:cNvPr id="2" name="Title 1">
+            <a:extLst>
+              <a:ext uri="{FF2B5EF4-FFF2-40B4-BE49-F238E27FC236}">
+                <a16:creationId xmlns:a16="http://schemas.microsoft.com/office/drawing/2014/main" id="{E8F1A47C-C694-DA43-8432-71F3AF7F6282}"/>
+              </a:ext>
+            </a:extLst>
+          </p:cNvPr>
+          <p:cNvSpPr>
+            <a:spLocks noGrp="1"/>
+          </p:cNvSpPr>
+          <p:nvPr>
+            <p:ph type="title"/>
+          </p:nvPr>
+        </p:nvSpPr>
+        <p:spPr/>
+        <p:txBody>
+          <a:bodyPr/>
+          <a:lstStyle/>
+          <a:p>
+            <a:r>
+              <a:rPr lang="en-US" dirty="0"/>
+              <a:t>FCCI</a:t>
+            </a:r>
+          </a:p>
+        </p:txBody>
+      </p:sp>
+      <p:sp>
+        <p:nvSpPr>
+          <p:cNvPr id="3" name="Content Placeholder 2">
+            <a:extLst>
+              <a:ext uri="{FF2B5EF4-FFF2-40B4-BE49-F238E27FC236}">
+                <a16:creationId xmlns:a16="http://schemas.microsoft.com/office/drawing/2014/main" id="{9FC294B9-479B-F34A-8CBE-9E4E07028E82}"/>
+              </a:ext>
+            </a:extLst>
+          </p:cNvPr>
+          <p:cNvSpPr>
+            <a:spLocks noGrp="1"/>
+          </p:cNvSpPr>
+          <p:nvPr>
+            <p:ph idx="1"/>
+          </p:nvPr>
+        </p:nvSpPr>
+        <p:spPr>
+          <a:xfrm>
+            <a:off x="609600" y="2160495"/>
+            <a:ext cx="10972800" cy="3965670"/>
+          </a:xfrm>
+        </p:spPr>
+        <p:txBody>
+          <a:bodyPr/>
+          <a:lstStyle/>
+          <a:p>
+            <a:r>
+              <a:rPr lang="en-US" sz="2000" dirty="0"/>
+              <a:t>FCCI appears as one of the potential life-limiting factors for high burnup fuel elements</a:t>
+            </a:r>
+          </a:p>
+          <a:p>
+            <a:r>
+              <a:rPr lang="en-US" sz="2000" dirty="0"/>
+              <a:t>Fission products in the JOG play a predominant role on FCCI and on the resulting strong corrosion</a:t>
+            </a:r>
+          </a:p>
+          <a:p>
+            <a:r>
+              <a:rPr lang="en-US" sz="2000" dirty="0"/>
+              <a:t>The (</a:t>
+            </a:r>
+            <a:r>
+              <a:rPr lang="en-US" sz="2000" dirty="0" err="1"/>
+              <a:t>U,Pu</a:t>
+            </a:r>
+            <a:r>
+              <a:rPr lang="en-US" sz="2000" dirty="0"/>
+              <a:t>)O2 fuel itself does not directly react with the cladding, but it provides the oxygen needed for some of the reactions</a:t>
+            </a:r>
+          </a:p>
+          <a:p>
+            <a:r>
+              <a:rPr lang="en-US" sz="2000" dirty="0"/>
+              <a:t>Volatile fission products, tellurium and cesium, are the corrosive species able to overcome the passivation of stainless steel and therefore to induce clad corrosion</a:t>
+            </a:r>
+          </a:p>
+          <a:p>
+            <a:r>
+              <a:rPr lang="en-US" sz="2000" dirty="0"/>
+              <a:t>Several types of corrosion reactions and mechanisms are possible, occurring at different stages of irradiation, sometimes successively in the same pin, and resulting in different attack features</a:t>
+            </a:r>
+          </a:p>
+          <a:p>
+            <a:r>
+              <a:rPr lang="en-US" sz="2000" dirty="0"/>
+              <a:t>Thus, a qualitative understanding of corrosion mechanisms has been achieved, but it is not yet possible to give a complete physical description of FCCI and to predict corrosion depths</a:t>
+            </a:r>
+          </a:p>
+          <a:p>
+            <a:endParaRPr lang="en-US" sz="2000" dirty="0"/>
+          </a:p>
+          <a:p>
+            <a:endParaRPr lang="en-US" sz="2000" dirty="0"/>
+          </a:p>
+          <a:p>
+            <a:endParaRPr lang="en-US" sz="2000" dirty="0"/>
+          </a:p>
+          <a:p>
+            <a:endParaRPr lang="en-US" sz="2000" dirty="0"/>
+          </a:p>
+        </p:txBody>
+      </p:sp>
+      <p:sp>
+        <p:nvSpPr>
+          <p:cNvPr id="4" name="Slide Number Placeholder 3">
+            <a:extLst>
+              <a:ext uri="{FF2B5EF4-FFF2-40B4-BE49-F238E27FC236}">
+                <a16:creationId xmlns:a16="http://schemas.microsoft.com/office/drawing/2014/main" id="{5E085311-B9B6-DD4E-83E1-FD3CD6A5F343}"/>
+              </a:ext>
+            </a:extLst>
+          </p:cNvPr>
+          <p:cNvSpPr>
+            <a:spLocks noGrp="1"/>
+          </p:cNvSpPr>
+          <p:nvPr>
+            <p:ph type="sldNum" sz="quarter" idx="12"/>
+          </p:nvPr>
+        </p:nvSpPr>
+        <p:spPr/>
+        <p:txBody>
+          <a:bodyPr/>
+          <a:lstStyle/>
+          <a:p>
+            <a:pPr>
+              <a:defRPr/>
+            </a:pPr>
+            <a:fld id="{3FF2C605-4958-CF43-AA48-80339EFDB0AF}" type="slidenum">
+              <a:rPr lang="en-US" smtClean="0"/>
+              <a:pPr>
+                <a:defRPr/>
+              </a:pPr>
+              <a:t>16</a:t>
+            </a:fld>
+            <a:endParaRPr lang="en-US"/>
+          </a:p>
+        </p:txBody>
+      </p:sp>
+    </p:spTree>
+    <p:extLst>
+      <p:ext uri="{BB962C8B-B14F-4D97-AF65-F5344CB8AC3E}">
+        <p14:creationId xmlns:p14="http://schemas.microsoft.com/office/powerpoint/2010/main" val="2683647942"/>
+      </p:ext>
+    </p:extLst>
+  </p:cSld>
+  <p:clrMapOvr>
+    <a:masterClrMapping/>
+  </p:clrMapOvr>
+</p:sld>
+</file>
+
 <file path=ppt/slides/slide17.xml><?xml version="1.0" encoding="utf-8"?>
 <p:sld xmlns:a="http://schemas.openxmlformats.org/drawingml/2006/main" xmlns:r="http://schemas.openxmlformats.org/officeDocument/2006/relationships" xmlns:p="http://schemas.openxmlformats.org/presentationml/2006/main">
   <p:cSld>
@@ -5147,7 +5107,7 @@
           <p:cNvPr id="2" name="Title 1">
             <a:extLst>
               <a:ext uri="{FF2B5EF4-FFF2-40B4-BE49-F238E27FC236}">
-                <a16:creationId xmlns:a16="http://schemas.microsoft.com/office/drawing/2014/main" id="{E8F1A47C-C694-DA43-8432-71F3AF7F6282}"/>
+                <a16:creationId xmlns:a16="http://schemas.microsoft.com/office/drawing/2014/main" id="{E91E6733-5FD5-3F4E-AD04-D4DFBFAD5B35}"/>
               </a:ext>
             </a:extLst>
           </p:cNvPr>
@@ -5165,7 +5125,7 @@
           <a:p>
             <a:r>
               <a:rPr lang="en-US" dirty="0"/>
-              <a:t>FCCI</a:t>
+              <a:t>Summary</a:t>
             </a:r>
           </a:p>
         </p:txBody>
@@ -5175,7 +5135,7 @@
           <p:cNvPr id="3" name="Content Placeholder 2">
             <a:extLst>
               <a:ext uri="{FF2B5EF4-FFF2-40B4-BE49-F238E27FC236}">
-                <a16:creationId xmlns:a16="http://schemas.microsoft.com/office/drawing/2014/main" id="{9FC294B9-479B-F34A-8CBE-9E4E07028E82}"/>
+                <a16:creationId xmlns:a16="http://schemas.microsoft.com/office/drawing/2014/main" id="{FBCBD647-185F-ED40-B4B3-5DE021720570}"/>
               </a:ext>
             </a:extLst>
           </p:cNvPr>
@@ -5186,61 +5146,33 @@
             <p:ph idx="1"/>
           </p:nvPr>
         </p:nvSpPr>
-        <p:spPr>
-          <a:xfrm>
-            <a:off x="609600" y="2160495"/>
-            <a:ext cx="10972800" cy="3965670"/>
-          </a:xfrm>
-        </p:spPr>
+        <p:spPr/>
         <p:txBody>
           <a:bodyPr/>
           <a:lstStyle/>
           <a:p>
             <a:r>
               <a:rPr lang="en-US" sz="2000" dirty="0"/>
-              <a:t>FCCI appears as one of the potential life-limiting factors for high burnup fuel elements</a:t>
-            </a:r>
-          </a:p>
-          <a:p>
-            <a:r>
-              <a:rPr lang="en-US" sz="2000" dirty="0"/>
-              <a:t>Fission products in the JOG play a predominant role on FCCI and on the resulting strong corrosion</a:t>
-            </a:r>
-          </a:p>
-          <a:p>
-            <a:r>
-              <a:rPr lang="en-US" sz="2000" dirty="0"/>
-              <a:t>The (</a:t>
-            </a:r>
-            <a:r>
-              <a:rPr lang="en-US" sz="2000" dirty="0" err="1"/>
-              <a:t>U,Pu</a:t>
-            </a:r>
-            <a:r>
-              <a:rPr lang="en-US" sz="2000" dirty="0"/>
-              <a:t>)O2 fuel itself does not directly react with the cladding, but it provides the oxygen needed for some of the reactions</a:t>
-            </a:r>
-          </a:p>
-          <a:p>
-            <a:r>
-              <a:rPr lang="en-US" sz="2000" dirty="0"/>
-              <a:t>Volatile fission products, tellurium and cesium, are the corrosive species able to overcome the passivation of stainless steel and therefore to induce clad corrosion</a:t>
-            </a:r>
-          </a:p>
-          <a:p>
-            <a:r>
-              <a:rPr lang="en-US" sz="2000" dirty="0"/>
-              <a:t>Several types of corrosion reactions and mechanisms are possible, occurring at different stages of irradiation, sometimes successively in the same pin, and resulting in different attack features</a:t>
-            </a:r>
-          </a:p>
-          <a:p>
-            <a:r>
-              <a:rPr lang="en-US" sz="2000" dirty="0"/>
-              <a:t>Thus, a qualitative understanding of corrosion mechanisms has been achieved, but it is not yet possible to give a complete physical description of FCCI and to predict corrosion depths</a:t>
-            </a:r>
-          </a:p>
-          <a:p>
-            <a:endParaRPr lang="en-US" sz="2000" dirty="0"/>
+              <a:t>Oxide fuel for fast reactors has proved to be a mature, quite reliable, and very robust fuel concept</a:t>
+            </a:r>
+          </a:p>
+          <a:p>
+            <a:r>
+              <a:rPr lang="en-US" sz="2000" dirty="0"/>
+              <a:t>SFRs with MOX operate at much higher power and temperature than LWRs</a:t>
+            </a:r>
+          </a:p>
+          <a:p>
+            <a:r>
+              <a:rPr lang="en-US" sz="2000" dirty="0"/>
+              <a:t>Despite the low thermal conductivity, fuel loadings to the cladding remain low, and oxide fuel pins have demonstrated an ability to reach extremely high burnup (&gt;15 at%)</a:t>
+            </a:r>
+          </a:p>
+          <a:p>
+            <a:r>
+              <a:rPr lang="en-US" sz="2000" dirty="0"/>
+              <a:t>O/M ratio is one of the most significant factors in determining the nature of actinide redistribution, fission product precipitate chemistries, and FCCI formation</a:t>
+            </a:r>
           </a:p>
           <a:p>
             <a:endParaRPr lang="en-US" sz="2000" dirty="0"/>
@@ -5258,7 +5190,7 @@
           <p:cNvPr id="4" name="Slide Number Placeholder 3">
             <a:extLst>
               <a:ext uri="{FF2B5EF4-FFF2-40B4-BE49-F238E27FC236}">
-                <a16:creationId xmlns:a16="http://schemas.microsoft.com/office/drawing/2014/main" id="{5E085311-B9B6-DD4E-83E1-FD3CD6A5F343}"/>
+                <a16:creationId xmlns:a16="http://schemas.microsoft.com/office/drawing/2014/main" id="{83CA775A-65BE-DB4F-80DA-8CC498AA243A}"/>
               </a:ext>
             </a:extLst>
           </p:cNvPr>
@@ -5283,154 +5215,6 @@
                 <a:defRPr/>
               </a:pPr>
               <a:t>17</a:t>
-            </a:fld>
-            <a:endParaRPr lang="en-US"/>
-          </a:p>
-        </p:txBody>
-      </p:sp>
-    </p:spTree>
-    <p:extLst>
-      <p:ext uri="{BB962C8B-B14F-4D97-AF65-F5344CB8AC3E}">
-        <p14:creationId xmlns:p14="http://schemas.microsoft.com/office/powerpoint/2010/main" val="2683647942"/>
-      </p:ext>
-    </p:extLst>
-  </p:cSld>
-  <p:clrMapOvr>
-    <a:masterClrMapping/>
-  </p:clrMapOvr>
-</p:sld>
-</file>
-
-<file path=ppt/slides/slide18.xml><?xml version="1.0" encoding="utf-8"?>
-<p:sld xmlns:a="http://schemas.openxmlformats.org/drawingml/2006/main" xmlns:r="http://schemas.openxmlformats.org/officeDocument/2006/relationships" xmlns:p="http://schemas.openxmlformats.org/presentationml/2006/main">
-  <p:cSld>
-    <p:spTree>
-      <p:nvGrpSpPr>
-        <p:cNvPr id="1" name=""/>
-        <p:cNvGrpSpPr/>
-        <p:nvPr/>
-      </p:nvGrpSpPr>
-      <p:grpSpPr>
-        <a:xfrm>
-          <a:off x="0" y="0"/>
-          <a:ext cx="0" cy="0"/>
-          <a:chOff x="0" y="0"/>
-          <a:chExt cx="0" cy="0"/>
-        </a:xfrm>
-      </p:grpSpPr>
-      <p:sp>
-        <p:nvSpPr>
-          <p:cNvPr id="2" name="Title 1">
-            <a:extLst>
-              <a:ext uri="{FF2B5EF4-FFF2-40B4-BE49-F238E27FC236}">
-                <a16:creationId xmlns:a16="http://schemas.microsoft.com/office/drawing/2014/main" id="{E91E6733-5FD5-3F4E-AD04-D4DFBFAD5B35}"/>
-              </a:ext>
-            </a:extLst>
-          </p:cNvPr>
-          <p:cNvSpPr>
-            <a:spLocks noGrp="1"/>
-          </p:cNvSpPr>
-          <p:nvPr>
-            <p:ph type="title"/>
-          </p:nvPr>
-        </p:nvSpPr>
-        <p:spPr/>
-        <p:txBody>
-          <a:bodyPr/>
-          <a:lstStyle/>
-          <a:p>
-            <a:r>
-              <a:rPr lang="en-US" dirty="0"/>
-              <a:t>Summary</a:t>
-            </a:r>
-          </a:p>
-        </p:txBody>
-      </p:sp>
-      <p:sp>
-        <p:nvSpPr>
-          <p:cNvPr id="3" name="Content Placeholder 2">
-            <a:extLst>
-              <a:ext uri="{FF2B5EF4-FFF2-40B4-BE49-F238E27FC236}">
-                <a16:creationId xmlns:a16="http://schemas.microsoft.com/office/drawing/2014/main" id="{FBCBD647-185F-ED40-B4B3-5DE021720570}"/>
-              </a:ext>
-            </a:extLst>
-          </p:cNvPr>
-          <p:cNvSpPr>
-            <a:spLocks noGrp="1"/>
-          </p:cNvSpPr>
-          <p:nvPr>
-            <p:ph idx="1"/>
-          </p:nvPr>
-        </p:nvSpPr>
-        <p:spPr/>
-        <p:txBody>
-          <a:bodyPr/>
-          <a:lstStyle/>
-          <a:p>
-            <a:r>
-              <a:rPr lang="en-US" sz="2000" dirty="0"/>
-              <a:t>Oxide fuel for fast reactors has proved to be a mature, quite reliable, and very robust fuel concept</a:t>
-            </a:r>
-          </a:p>
-          <a:p>
-            <a:r>
-              <a:rPr lang="en-US" sz="2000" dirty="0"/>
-              <a:t>SFRs with MOX operate at much higher power and temperature than LWRs</a:t>
-            </a:r>
-          </a:p>
-          <a:p>
-            <a:r>
-              <a:rPr lang="en-US" sz="2000" dirty="0"/>
-              <a:t>Despite the low thermal conductivity, fuel loadings to the cladding remain low, and oxide fuel pins have demonstrated an ability to reach extremely high burnup (&gt;15 at%)</a:t>
-            </a:r>
-          </a:p>
-          <a:p>
-            <a:r>
-              <a:rPr lang="en-US" sz="2000" dirty="0"/>
-              <a:t>O/M ratio is one of the most significant factors in determining the nature of actinide redistribution, fission product precipitate chemistries, and FCCI formation</a:t>
-            </a:r>
-          </a:p>
-          <a:p>
-            <a:endParaRPr lang="en-US" sz="2000" dirty="0"/>
-          </a:p>
-          <a:p>
-            <a:endParaRPr lang="en-US" sz="2000" dirty="0"/>
-          </a:p>
-          <a:p>
-            <a:endParaRPr lang="en-US" sz="2000" dirty="0"/>
-          </a:p>
-        </p:txBody>
-      </p:sp>
-      <p:sp>
-        <p:nvSpPr>
-          <p:cNvPr id="4" name="Slide Number Placeholder 3">
-            <a:extLst>
-              <a:ext uri="{FF2B5EF4-FFF2-40B4-BE49-F238E27FC236}">
-                <a16:creationId xmlns:a16="http://schemas.microsoft.com/office/drawing/2014/main" id="{83CA775A-65BE-DB4F-80DA-8CC498AA243A}"/>
-              </a:ext>
-            </a:extLst>
-          </p:cNvPr>
-          <p:cNvSpPr>
-            <a:spLocks noGrp="1"/>
-          </p:cNvSpPr>
-          <p:nvPr>
-            <p:ph type="sldNum" sz="quarter" idx="12"/>
-          </p:nvPr>
-        </p:nvSpPr>
-        <p:spPr/>
-        <p:txBody>
-          <a:bodyPr/>
-          <a:lstStyle/>
-          <a:p>
-            <a:pPr>
-              <a:defRPr/>
-            </a:pPr>
-            <a:fld id="{3FF2C605-4958-CF43-AA48-80339EFDB0AF}" type="slidenum">
-              <a:rPr lang="en-US" smtClean="0"/>
-              <a:pPr>
-                <a:defRPr/>
-              </a:pPr>
-              <a:t>18</a:t>
             </a:fld>
             <a:endParaRPr lang="en-US"/>
           </a:p>
@@ -5517,6 +5301,12 @@
           <a:p>
             <a:r>
               <a:rPr lang="en-US" sz="2000" dirty="0"/>
+              <a:t>LOCA</a:t>
+            </a:r>
+          </a:p>
+          <a:p>
+            <a:r>
+              <a:rPr lang="en-US" sz="2000" dirty="0"/>
               <a:t>There are a variety of limiting phenomena in LWR fuel systems that provide the boundaries of operation and lifetime</a:t>
             </a:r>
           </a:p>
@@ -5530,12 +5320,6 @@
             <a:r>
               <a:rPr lang="en-US" sz="2000" dirty="0"/>
               <a:t>Primary system water chemistry affects fuel performance through the deposition of corrosion products on fuel pin surfaces</a:t>
-            </a:r>
-          </a:p>
-          <a:p>
-            <a:r>
-              <a:rPr lang="en-US" sz="2000" dirty="0"/>
-              <a:t>Beginning of mechanistic modeling</a:t>
             </a:r>
           </a:p>
         </p:txBody>
@@ -5610,7 +5394,7 @@
           <p:cNvPr id="2" name="Title 1">
             <a:extLst>
               <a:ext uri="{FF2B5EF4-FFF2-40B4-BE49-F238E27FC236}">
-                <a16:creationId xmlns:a16="http://schemas.microsoft.com/office/drawing/2014/main" id="{E6A26517-7A8C-6D44-8A80-103F9AD20C90}"/>
+                <a16:creationId xmlns:a16="http://schemas.microsoft.com/office/drawing/2014/main" id="{96329CC1-34E4-A34F-8621-801D8886CE7C}"/>
               </a:ext>
             </a:extLst>
           </p:cNvPr>
@@ -5621,14 +5405,19 @@
             <p:ph type="title"/>
           </p:nvPr>
         </p:nvSpPr>
-        <p:spPr/>
+        <p:spPr>
+          <a:xfrm>
+            <a:off x="963084" y="1234721"/>
+            <a:ext cx="10363200" cy="1362075"/>
+          </a:xfrm>
+        </p:spPr>
         <p:txBody>
           <a:bodyPr/>
           <a:lstStyle/>
           <a:p>
             <a:r>
               <a:rPr lang="en-US" dirty="0"/>
-              <a:t>MOOSE Project Part 3</a:t>
+              <a:t>Mixed oxide (MOX) fuels</a:t>
             </a:r>
           </a:p>
         </p:txBody>
@@ -5638,7 +5427,7 @@
           <p:cNvPr id="4" name="Slide Number Placeholder 3">
             <a:extLst>
               <a:ext uri="{FF2B5EF4-FFF2-40B4-BE49-F238E27FC236}">
-                <a16:creationId xmlns:a16="http://schemas.microsoft.com/office/drawing/2014/main" id="{8AF4B4B8-A41F-4142-861A-4CEFCF7BBA69}"/>
+                <a16:creationId xmlns:a16="http://schemas.microsoft.com/office/drawing/2014/main" id="{2BFF06B0-02C9-F34D-82A4-D2D5BBAF6842}"/>
               </a:ext>
             </a:extLst>
           </p:cNvPr>
@@ -5654,644 +5443,24 @@
           <a:bodyPr/>
           <a:lstStyle/>
           <a:p>
-            <a:pPr marL="0" marR="0" lvl="0" indent="0" algn="r" defTabSz="914400" rtl="0" eaLnBrk="1" fontAlgn="auto" latinLnBrk="0" hangingPunct="1">
-              <a:lnSpc>
-                <a:spcPct val="100000"/>
-              </a:lnSpc>
-              <a:spcBef>
-                <a:spcPts val="0"/>
-              </a:spcBef>
-              <a:spcAft>
-                <a:spcPts val="0"/>
-              </a:spcAft>
-              <a:buClrTx/>
-              <a:buSzTx/>
-              <a:buFontTx/>
-              <a:buNone/>
-              <a:tabLst/>
+            <a:pPr>
               <a:defRPr/>
             </a:pPr>
-            <a:fld id="{3FF2C605-4958-CF43-AA48-80339EFDB0AF}" type="slidenum">
-              <a:rPr kumimoji="0" lang="en-US" sz="1200" b="0" i="0" u="none" strike="noStrike" kern="1200" cap="none" spc="0" normalizeH="0" baseline="0" noProof="0" smtClean="0">
-                <a:ln>
-                  <a:noFill/>
-                </a:ln>
-                <a:solidFill>
-                  <a:prstClr val="black">
-                    <a:tint val="75000"/>
-                  </a:prstClr>
-                </a:solidFill>
-                <a:effectLst/>
-                <a:uLnTx/>
-                <a:uFillTx/>
-                <a:latin typeface="Calibri"/>
-                <a:ea typeface="+mn-ea"/>
-                <a:cs typeface="+mn-cs"/>
-              </a:rPr>
-              <a:pPr marL="0" marR="0" lvl="0" indent="0" algn="r" defTabSz="914400" rtl="0" eaLnBrk="1" fontAlgn="auto" latinLnBrk="0" hangingPunct="1">
-                <a:lnSpc>
-                  <a:spcPct val="100000"/>
-                </a:lnSpc>
-                <a:spcBef>
-                  <a:spcPts val="0"/>
-                </a:spcBef>
-                <a:spcAft>
-                  <a:spcPts val="0"/>
-                </a:spcAft>
-                <a:buClrTx/>
-                <a:buSzTx/>
-                <a:buFontTx/>
-                <a:buNone/>
-                <a:tabLst/>
+            <a:fld id="{0DA6BD0F-ABBC-C14D-BC96-77BE126A748B}" type="slidenum">
+              <a:rPr lang="en-US" smtClean="0"/>
+              <a:pPr>
                 <a:defRPr/>
               </a:pPr>
               <a:t>3</a:t>
             </a:fld>
-            <a:endParaRPr kumimoji="0" lang="en-US" sz="1200" b="0" i="0" u="none" strike="noStrike" kern="1200" cap="none" spc="0" normalizeH="0" baseline="0" noProof="0">
-              <a:ln>
-                <a:noFill/>
-              </a:ln>
-              <a:solidFill>
-                <a:prstClr val="black">
-                  <a:tint val="75000"/>
-                </a:prstClr>
-              </a:solidFill>
-              <a:effectLst/>
-              <a:uLnTx/>
-              <a:uFillTx/>
-              <a:latin typeface="Calibri"/>
-              <a:ea typeface="+mn-ea"/>
-              <a:cs typeface="+mn-cs"/>
-            </a:endParaRPr>
-          </a:p>
-        </p:txBody>
-      </p:sp>
-      <p:sp>
-        <p:nvSpPr>
-          <p:cNvPr id="5" name="Rectangle 4">
-            <a:extLst>
-              <a:ext uri="{FF2B5EF4-FFF2-40B4-BE49-F238E27FC236}">
-                <a16:creationId xmlns:a16="http://schemas.microsoft.com/office/drawing/2014/main" id="{6A14A53C-B601-344D-BB6C-C144C19C902A}"/>
-              </a:ext>
-            </a:extLst>
-          </p:cNvPr>
-          <p:cNvSpPr/>
-          <p:nvPr/>
-        </p:nvSpPr>
-        <p:spPr>
-          <a:xfrm>
-            <a:off x="9152938" y="2016866"/>
-            <a:ext cx="2253259" cy="3389243"/>
-          </a:xfrm>
-          <a:prstGeom prst="rect">
-            <a:avLst/>
-          </a:prstGeom>
-          <a:solidFill>
-            <a:schemeClr val="accent1"/>
-          </a:solidFill>
-        </p:spPr>
-        <p:style>
-          <a:lnRef idx="1">
-            <a:schemeClr val="accent1"/>
-          </a:lnRef>
-          <a:fillRef idx="3">
-            <a:schemeClr val="accent1"/>
-          </a:fillRef>
-          <a:effectRef idx="2">
-            <a:schemeClr val="accent1"/>
-          </a:effectRef>
-          <a:fontRef idx="minor">
-            <a:schemeClr val="lt1"/>
-          </a:fontRef>
-        </p:style>
-        <p:txBody>
-          <a:bodyPr rtlCol="0" anchor="ctr"/>
-          <a:lstStyle/>
-          <a:p>
-            <a:pPr marL="0" marR="0" lvl="0" indent="0" algn="ctr" defTabSz="914400" rtl="0" eaLnBrk="1" fontAlgn="auto" latinLnBrk="0" hangingPunct="1">
-              <a:lnSpc>
-                <a:spcPct val="100000"/>
-              </a:lnSpc>
-              <a:spcBef>
-                <a:spcPts val="0"/>
-              </a:spcBef>
-              <a:spcAft>
-                <a:spcPts val="0"/>
-              </a:spcAft>
-              <a:buClrTx/>
-              <a:buSzTx/>
-              <a:buFontTx/>
-              <a:buNone/>
-              <a:tabLst/>
-              <a:defRPr/>
-            </a:pPr>
-            <a:endParaRPr kumimoji="0" lang="en-US" sz="1800" b="0" i="0" u="none" strike="noStrike" kern="1200" cap="none" spc="0" normalizeH="0" baseline="0" noProof="0">
-              <a:ln>
-                <a:noFill/>
-              </a:ln>
-              <a:solidFill>
-                <a:prstClr val="white"/>
-              </a:solidFill>
-              <a:effectLst/>
-              <a:uLnTx/>
-              <a:uFillTx/>
-              <a:latin typeface="Calibri"/>
-              <a:ea typeface="+mn-ea"/>
-              <a:cs typeface="+mn-cs"/>
-            </a:endParaRPr>
-          </a:p>
-        </p:txBody>
-      </p:sp>
-      <p:cxnSp>
-        <p:nvCxnSpPr>
-          <p:cNvPr id="9" name="Straight Arrow Connector 8">
-            <a:extLst>
-              <a:ext uri="{FF2B5EF4-FFF2-40B4-BE49-F238E27FC236}">
-                <a16:creationId xmlns:a16="http://schemas.microsoft.com/office/drawing/2014/main" id="{B4CE7341-0281-C44A-9030-313AEB440CB7}"/>
-              </a:ext>
-            </a:extLst>
-          </p:cNvPr>
-          <p:cNvCxnSpPr>
-            <a:cxnSpLocks/>
-          </p:cNvCxnSpPr>
-          <p:nvPr/>
-        </p:nvCxnSpPr>
-        <p:spPr>
-          <a:xfrm>
-            <a:off x="9152938" y="1822688"/>
-            <a:ext cx="2253259" cy="0"/>
-          </a:xfrm>
-          <a:prstGeom prst="straightConnector1">
-            <a:avLst/>
-          </a:prstGeom>
-          <a:ln>
-            <a:headEnd type="triangle"/>
-            <a:tailEnd type="triangle"/>
-          </a:ln>
-        </p:spPr>
-        <p:style>
-          <a:lnRef idx="2">
-            <a:schemeClr val="accent1"/>
-          </a:lnRef>
-          <a:fillRef idx="0">
-            <a:schemeClr val="accent1"/>
-          </a:fillRef>
-          <a:effectRef idx="1">
-            <a:schemeClr val="accent1"/>
-          </a:effectRef>
-          <a:fontRef idx="minor">
-            <a:schemeClr val="tx1"/>
-          </a:fontRef>
-        </p:style>
-      </p:cxnSp>
-      <p:cxnSp>
-        <p:nvCxnSpPr>
-          <p:cNvPr id="14" name="Straight Arrow Connector 13">
-            <a:extLst>
-              <a:ext uri="{FF2B5EF4-FFF2-40B4-BE49-F238E27FC236}">
-                <a16:creationId xmlns:a16="http://schemas.microsoft.com/office/drawing/2014/main" id="{B8F40A3F-E5AC-AA42-BFC3-19A6A409A2EB}"/>
-              </a:ext>
-            </a:extLst>
-          </p:cNvPr>
-          <p:cNvCxnSpPr>
-            <a:cxnSpLocks/>
-          </p:cNvCxnSpPr>
-          <p:nvPr/>
-        </p:nvCxnSpPr>
-        <p:spPr>
-          <a:xfrm flipV="1">
-            <a:off x="8951500" y="2016866"/>
-            <a:ext cx="0" cy="3389243"/>
-          </a:xfrm>
-          <a:prstGeom prst="straightConnector1">
-            <a:avLst/>
-          </a:prstGeom>
-          <a:ln>
-            <a:headEnd type="triangle"/>
-            <a:tailEnd type="triangle"/>
-          </a:ln>
-        </p:spPr>
-        <p:style>
-          <a:lnRef idx="2">
-            <a:schemeClr val="accent1"/>
-          </a:lnRef>
-          <a:fillRef idx="0">
-            <a:schemeClr val="accent1"/>
-          </a:fillRef>
-          <a:effectRef idx="1">
-            <a:schemeClr val="accent1"/>
-          </a:effectRef>
-          <a:fontRef idx="minor">
-            <a:schemeClr val="tx1"/>
-          </a:fontRef>
-        </p:style>
-      </p:cxnSp>
-      <p:sp>
-        <p:nvSpPr>
-          <p:cNvPr id="16" name="TextBox 15">
-            <a:extLst>
-              <a:ext uri="{FF2B5EF4-FFF2-40B4-BE49-F238E27FC236}">
-                <a16:creationId xmlns:a16="http://schemas.microsoft.com/office/drawing/2014/main" id="{7FC4C34D-9F6B-3A44-A4E8-FDD2910214C5}"/>
-              </a:ext>
-            </a:extLst>
-          </p:cNvPr>
-          <p:cNvSpPr txBox="1"/>
-          <p:nvPr/>
-        </p:nvSpPr>
-        <p:spPr>
-          <a:xfrm>
-            <a:off x="667872" y="1968501"/>
-            <a:ext cx="7726433" cy="2585323"/>
-          </a:xfrm>
-          <a:prstGeom prst="rect">
-            <a:avLst/>
-          </a:prstGeom>
-          <a:noFill/>
-        </p:spPr>
-        <p:txBody>
-          <a:bodyPr wrap="square" rtlCol="0">
-            <a:spAutoFit/>
-          </a:bodyPr>
-          <a:lstStyle/>
-          <a:p>
-            <a:pPr marL="285750" marR="0" lvl="0" indent="-285750" algn="l" defTabSz="914400" rtl="0" eaLnBrk="1" fontAlgn="auto" latinLnBrk="0" hangingPunct="1">
-              <a:lnSpc>
-                <a:spcPct val="100000"/>
-              </a:lnSpc>
-              <a:spcBef>
-                <a:spcPts val="0"/>
-              </a:spcBef>
-              <a:spcAft>
-                <a:spcPts val="0"/>
-              </a:spcAft>
-              <a:buClrTx/>
-              <a:buSzTx/>
-              <a:buFont typeface="Arial" panose="020B0604020202020204" pitchFamily="34" charset="0"/>
-              <a:buChar char="•"/>
-              <a:tabLst/>
-              <a:defRPr/>
-            </a:pPr>
-            <a:r>
-              <a:rPr kumimoji="0" lang="en-US" sz="1800" b="0" i="0" u="none" strike="noStrike" kern="1200" cap="none" spc="0" normalizeH="0" baseline="0" noProof="0" dirty="0">
-                <a:ln>
-                  <a:noFill/>
-                </a:ln>
-                <a:solidFill>
-                  <a:prstClr val="black"/>
-                </a:solidFill>
-                <a:effectLst/>
-                <a:uLnTx/>
-                <a:uFillTx/>
-                <a:latin typeface="Calibri"/>
-                <a:ea typeface="+mn-ea"/>
-                <a:cs typeface="+mn-cs"/>
-              </a:rPr>
-              <a:t>1-D problem, set up in 2D-RZ</a:t>
-            </a:r>
-          </a:p>
-          <a:p>
-            <a:pPr marL="285750" marR="0" lvl="0" indent="-285750" algn="l" defTabSz="914400" rtl="0" eaLnBrk="1" fontAlgn="auto" latinLnBrk="0" hangingPunct="1">
-              <a:lnSpc>
-                <a:spcPct val="100000"/>
-              </a:lnSpc>
-              <a:spcBef>
-                <a:spcPts val="0"/>
-              </a:spcBef>
-              <a:spcAft>
-                <a:spcPts val="0"/>
-              </a:spcAft>
-              <a:buClrTx/>
-              <a:buSzTx/>
-              <a:buFont typeface="Arial" panose="020B0604020202020204" pitchFamily="34" charset="0"/>
-              <a:buChar char="•"/>
-              <a:tabLst/>
-              <a:defRPr/>
-            </a:pPr>
-            <a:r>
-              <a:rPr kumimoji="0" lang="en-US" sz="1800" b="0" i="0" u="none" strike="noStrike" kern="1200" cap="none" spc="0" normalizeH="0" baseline="0" noProof="0" dirty="0">
-                <a:ln>
-                  <a:noFill/>
-                </a:ln>
-                <a:solidFill>
-                  <a:prstClr val="black"/>
-                </a:solidFill>
-                <a:effectLst/>
-                <a:uLnTx/>
-                <a:uFillTx/>
-                <a:latin typeface="Calibri"/>
-                <a:ea typeface="+mn-ea"/>
-                <a:cs typeface="+mn-cs"/>
-              </a:rPr>
-              <a:t>Given a uniform heat generation rate of LHR = 175 W/cm, what are the stresses due to thermal expansion in the fuel?</a:t>
-            </a:r>
-          </a:p>
-          <a:p>
-            <a:pPr marL="285750" indent="-285750">
-              <a:buFont typeface="Arial" panose="020B0604020202020204" pitchFamily="34" charset="0"/>
-              <a:buChar char="•"/>
-              <a:defRPr/>
-            </a:pPr>
-            <a:r>
-              <a:rPr lang="en-US" dirty="0">
-                <a:solidFill>
-                  <a:prstClr val="black"/>
-                </a:solidFill>
-              </a:rPr>
-              <a:t>Will need tensor mechanics and heat conduction </a:t>
-            </a:r>
-          </a:p>
-          <a:p>
-            <a:pPr marL="285750" marR="0" lvl="0" indent="-285750" algn="l" defTabSz="914400" rtl="0" eaLnBrk="1" fontAlgn="auto" latinLnBrk="0" hangingPunct="1">
-              <a:lnSpc>
-                <a:spcPct val="100000"/>
-              </a:lnSpc>
-              <a:spcBef>
-                <a:spcPts val="0"/>
-              </a:spcBef>
-              <a:spcAft>
-                <a:spcPts val="0"/>
-              </a:spcAft>
-              <a:buClrTx/>
-              <a:buSzTx/>
-              <a:buFont typeface="Arial" panose="020B0604020202020204" pitchFamily="34" charset="0"/>
-              <a:buChar char="•"/>
-              <a:tabLst/>
-              <a:defRPr/>
-            </a:pPr>
-            <a:endParaRPr kumimoji="0" lang="en-US" sz="1800" b="0" i="0" u="none" strike="noStrike" kern="1200" cap="none" spc="0" normalizeH="0" baseline="0" noProof="0" dirty="0">
-              <a:ln>
-                <a:noFill/>
-              </a:ln>
-              <a:solidFill>
-                <a:prstClr val="black"/>
-              </a:solidFill>
-              <a:effectLst/>
-              <a:uLnTx/>
-              <a:uFillTx/>
-              <a:latin typeface="Calibri"/>
-              <a:ea typeface="+mn-ea"/>
-              <a:cs typeface="+mn-cs"/>
-            </a:endParaRPr>
-          </a:p>
-          <a:p>
-            <a:pPr marL="285750" marR="0" lvl="0" indent="-285750" algn="l" defTabSz="914400" rtl="0" eaLnBrk="1" fontAlgn="auto" latinLnBrk="0" hangingPunct="1">
-              <a:lnSpc>
-                <a:spcPct val="100000"/>
-              </a:lnSpc>
-              <a:spcBef>
-                <a:spcPts val="0"/>
-              </a:spcBef>
-              <a:spcAft>
-                <a:spcPts val="0"/>
-              </a:spcAft>
-              <a:buClrTx/>
-              <a:buSzTx/>
-              <a:buFont typeface="Arial" panose="020B0604020202020204" pitchFamily="34" charset="0"/>
-              <a:buChar char="•"/>
-              <a:tabLst/>
-              <a:defRPr/>
-            </a:pPr>
-            <a:r>
-              <a:rPr lang="en-US" dirty="0">
-                <a:solidFill>
-                  <a:prstClr val="black"/>
-                </a:solidFill>
-                <a:latin typeface="Calibri"/>
-              </a:rPr>
-              <a:t>1) Assume a constant fuel surface temperature and constant thermal conductivity</a:t>
-            </a:r>
-          </a:p>
-          <a:p>
-            <a:pPr marL="285750" lvl="0" indent="-285750">
-              <a:buFont typeface="Arial" panose="020B0604020202020204" pitchFamily="34" charset="0"/>
-              <a:buChar char="•"/>
-              <a:defRPr/>
-            </a:pPr>
-            <a:r>
-              <a:rPr lang="en-US" dirty="0">
-                <a:solidFill>
-                  <a:prstClr val="black"/>
-                </a:solidFill>
-                <a:latin typeface="Calibri"/>
-              </a:rPr>
-              <a:t>2) Assume </a:t>
-            </a:r>
-            <a:r>
-              <a:rPr lang="en-US" dirty="0">
-                <a:solidFill>
-                  <a:prstClr val="black"/>
-                </a:solidFill>
-              </a:rPr>
-              <a:t>a constant fuel surface temperature but temperature dependent thermal conductivity</a:t>
-            </a:r>
-            <a:endParaRPr lang="en-US" dirty="0">
-              <a:solidFill>
-                <a:prstClr val="black"/>
-              </a:solidFill>
-              <a:latin typeface="Calibri"/>
-            </a:endParaRPr>
-          </a:p>
-        </p:txBody>
-      </p:sp>
-      <p:sp>
-        <p:nvSpPr>
-          <p:cNvPr id="17" name="TextBox 16">
-            <a:extLst>
-              <a:ext uri="{FF2B5EF4-FFF2-40B4-BE49-F238E27FC236}">
-                <a16:creationId xmlns:a16="http://schemas.microsoft.com/office/drawing/2014/main" id="{BF1AC033-6409-0C4A-AA93-30785D045B24}"/>
-              </a:ext>
-            </a:extLst>
-          </p:cNvPr>
-          <p:cNvSpPr txBox="1"/>
-          <p:nvPr/>
-        </p:nvSpPr>
-        <p:spPr>
-          <a:xfrm>
-            <a:off x="9389576" y="3526821"/>
-            <a:ext cx="1640540" cy="369332"/>
-          </a:xfrm>
-          <a:prstGeom prst="rect">
-            <a:avLst/>
-          </a:prstGeom>
-          <a:noFill/>
-        </p:spPr>
-        <p:txBody>
-          <a:bodyPr wrap="square" rtlCol="0">
-            <a:spAutoFit/>
-          </a:bodyPr>
-          <a:lstStyle/>
-          <a:p>
-            <a:pPr marL="0" marR="0" lvl="0" indent="0" algn="ctr" defTabSz="914400" rtl="0" eaLnBrk="1" fontAlgn="auto" latinLnBrk="0" hangingPunct="1">
-              <a:lnSpc>
-                <a:spcPct val="100000"/>
-              </a:lnSpc>
-              <a:spcBef>
-                <a:spcPts val="0"/>
-              </a:spcBef>
-              <a:spcAft>
-                <a:spcPts val="0"/>
-              </a:spcAft>
-              <a:buClrTx/>
-              <a:buSzTx/>
-              <a:buFontTx/>
-              <a:buNone/>
-              <a:tabLst/>
-              <a:defRPr/>
-            </a:pPr>
-            <a:r>
-              <a:rPr kumimoji="0" lang="en-US" sz="1800" b="0" i="0" u="none" strike="noStrike" kern="1200" cap="none" spc="0" normalizeH="0" baseline="0" noProof="0" dirty="0">
-                <a:ln>
-                  <a:noFill/>
-                </a:ln>
-                <a:solidFill>
-                  <a:prstClr val="black"/>
-                </a:solidFill>
-                <a:effectLst/>
-                <a:uLnTx/>
-                <a:uFillTx/>
-                <a:latin typeface="Calibri"/>
-                <a:ea typeface="+mn-ea"/>
-                <a:cs typeface="+mn-cs"/>
-              </a:rPr>
-              <a:t>Fuel</a:t>
-            </a:r>
-          </a:p>
-        </p:txBody>
-      </p:sp>
-      <p:sp>
-        <p:nvSpPr>
-          <p:cNvPr id="20" name="TextBox 19">
-            <a:extLst>
-              <a:ext uri="{FF2B5EF4-FFF2-40B4-BE49-F238E27FC236}">
-                <a16:creationId xmlns:a16="http://schemas.microsoft.com/office/drawing/2014/main" id="{500D7D2B-ACB3-E84C-8015-B6D0EFA467D3}"/>
-              </a:ext>
-            </a:extLst>
-          </p:cNvPr>
-          <p:cNvSpPr txBox="1"/>
-          <p:nvPr/>
-        </p:nvSpPr>
-        <p:spPr>
-          <a:xfrm>
-            <a:off x="9339730" y="1453356"/>
-            <a:ext cx="1640540" cy="369332"/>
-          </a:xfrm>
-          <a:prstGeom prst="rect">
-            <a:avLst/>
-          </a:prstGeom>
-          <a:noFill/>
-        </p:spPr>
-        <p:txBody>
-          <a:bodyPr wrap="square" rtlCol="0">
-            <a:spAutoFit/>
-          </a:bodyPr>
-          <a:lstStyle/>
-          <a:p>
-            <a:pPr marL="0" marR="0" lvl="0" indent="0" algn="ctr" defTabSz="914400" rtl="0" eaLnBrk="1" fontAlgn="auto" latinLnBrk="0" hangingPunct="1">
-              <a:lnSpc>
-                <a:spcPct val="100000"/>
-              </a:lnSpc>
-              <a:spcBef>
-                <a:spcPts val="0"/>
-              </a:spcBef>
-              <a:spcAft>
-                <a:spcPts val="0"/>
-              </a:spcAft>
-              <a:buClrTx/>
-              <a:buSzTx/>
-              <a:buFontTx/>
-              <a:buNone/>
-              <a:tabLst/>
-              <a:defRPr/>
-            </a:pPr>
-            <a:r>
-              <a:rPr kumimoji="0" lang="en-US" sz="1800" b="0" i="0" u="none" strike="noStrike" kern="1200" cap="none" spc="0" normalizeH="0" baseline="0" noProof="0" dirty="0">
-                <a:ln>
-                  <a:noFill/>
-                </a:ln>
-                <a:solidFill>
-                  <a:prstClr val="black"/>
-                </a:solidFill>
-                <a:effectLst/>
-                <a:uLnTx/>
-                <a:uFillTx/>
-                <a:latin typeface="Calibri"/>
-                <a:ea typeface="+mn-ea"/>
-                <a:cs typeface="+mn-cs"/>
-              </a:rPr>
-              <a:t>0.5 cm</a:t>
-            </a:r>
-          </a:p>
-        </p:txBody>
-      </p:sp>
-      <p:sp>
-        <p:nvSpPr>
-          <p:cNvPr id="23" name="TextBox 22">
-            <a:extLst>
-              <a:ext uri="{FF2B5EF4-FFF2-40B4-BE49-F238E27FC236}">
-                <a16:creationId xmlns:a16="http://schemas.microsoft.com/office/drawing/2014/main" id="{9585D5CD-26F8-1C40-B55C-D9B4F132CE15}"/>
-              </a:ext>
-            </a:extLst>
-          </p:cNvPr>
-          <p:cNvSpPr txBox="1"/>
-          <p:nvPr/>
-        </p:nvSpPr>
-        <p:spPr>
-          <a:xfrm rot="16200000">
-            <a:off x="7761900" y="3608428"/>
-            <a:ext cx="1640540" cy="369332"/>
-          </a:xfrm>
-          <a:prstGeom prst="rect">
-            <a:avLst/>
-          </a:prstGeom>
-          <a:noFill/>
-        </p:spPr>
-        <p:txBody>
-          <a:bodyPr wrap="square" rtlCol="0">
-            <a:spAutoFit/>
-          </a:bodyPr>
-          <a:lstStyle/>
-          <a:p>
-            <a:pPr marL="0" marR="0" lvl="0" indent="0" algn="ctr" defTabSz="914400" rtl="0" eaLnBrk="1" fontAlgn="auto" latinLnBrk="0" hangingPunct="1">
-              <a:lnSpc>
-                <a:spcPct val="100000"/>
-              </a:lnSpc>
-              <a:spcBef>
-                <a:spcPts val="0"/>
-              </a:spcBef>
-              <a:spcAft>
-                <a:spcPts val="0"/>
-              </a:spcAft>
-              <a:buClrTx/>
-              <a:buSzTx/>
-              <a:buFontTx/>
-              <a:buNone/>
-              <a:tabLst/>
-              <a:defRPr/>
-            </a:pPr>
-            <a:r>
-              <a:rPr kumimoji="0" lang="en-US" sz="1800" b="0" i="0" u="none" strike="noStrike" kern="1200" cap="none" spc="0" normalizeH="0" baseline="0" noProof="0" dirty="0">
-                <a:ln>
-                  <a:noFill/>
-                </a:ln>
-                <a:solidFill>
-                  <a:prstClr val="black"/>
-                </a:solidFill>
-                <a:effectLst/>
-                <a:uLnTx/>
-                <a:uFillTx/>
-                <a:latin typeface="Calibri"/>
-                <a:ea typeface="+mn-ea"/>
-                <a:cs typeface="+mn-cs"/>
-              </a:rPr>
-              <a:t>1 cm</a:t>
-            </a:r>
+            <a:endParaRPr lang="en-US"/>
           </a:p>
         </p:txBody>
       </p:sp>
     </p:spTree>
     <p:extLst>
       <p:ext uri="{BB962C8B-B14F-4D97-AF65-F5344CB8AC3E}">
-        <p14:creationId xmlns:p14="http://schemas.microsoft.com/office/powerpoint/2010/main" val="2003456929"/>
+        <p14:creationId xmlns:p14="http://schemas.microsoft.com/office/powerpoint/2010/main" val="2860324116"/>
       </p:ext>
     </p:extLst>
   </p:cSld>
@@ -6323,104 +5492,6 @@
           <p:cNvPr id="2" name="Title 1">
             <a:extLst>
               <a:ext uri="{FF2B5EF4-FFF2-40B4-BE49-F238E27FC236}">
-                <a16:creationId xmlns:a16="http://schemas.microsoft.com/office/drawing/2014/main" id="{96329CC1-34E4-A34F-8621-801D8886CE7C}"/>
-              </a:ext>
-            </a:extLst>
-          </p:cNvPr>
-          <p:cNvSpPr>
-            <a:spLocks noGrp="1"/>
-          </p:cNvSpPr>
-          <p:nvPr>
-            <p:ph type="title"/>
-          </p:nvPr>
-        </p:nvSpPr>
-        <p:spPr>
-          <a:xfrm>
-            <a:off x="963084" y="1234721"/>
-            <a:ext cx="10363200" cy="1362075"/>
-          </a:xfrm>
-        </p:spPr>
-        <p:txBody>
-          <a:bodyPr/>
-          <a:lstStyle/>
-          <a:p>
-            <a:r>
-              <a:rPr lang="en-US" dirty="0"/>
-              <a:t>Mixed oxide (MOX) fuels</a:t>
-            </a:r>
-          </a:p>
-        </p:txBody>
-      </p:sp>
-      <p:sp>
-        <p:nvSpPr>
-          <p:cNvPr id="4" name="Slide Number Placeholder 3">
-            <a:extLst>
-              <a:ext uri="{FF2B5EF4-FFF2-40B4-BE49-F238E27FC236}">
-                <a16:creationId xmlns:a16="http://schemas.microsoft.com/office/drawing/2014/main" id="{2BFF06B0-02C9-F34D-82A4-D2D5BBAF6842}"/>
-              </a:ext>
-            </a:extLst>
-          </p:cNvPr>
-          <p:cNvSpPr>
-            <a:spLocks noGrp="1"/>
-          </p:cNvSpPr>
-          <p:nvPr>
-            <p:ph type="sldNum" sz="quarter" idx="12"/>
-          </p:nvPr>
-        </p:nvSpPr>
-        <p:spPr/>
-        <p:txBody>
-          <a:bodyPr/>
-          <a:lstStyle/>
-          <a:p>
-            <a:pPr>
-              <a:defRPr/>
-            </a:pPr>
-            <a:fld id="{0DA6BD0F-ABBC-C14D-BC96-77BE126A748B}" type="slidenum">
-              <a:rPr lang="en-US" smtClean="0"/>
-              <a:pPr>
-                <a:defRPr/>
-              </a:pPr>
-              <a:t>4</a:t>
-            </a:fld>
-            <a:endParaRPr lang="en-US"/>
-          </a:p>
-        </p:txBody>
-      </p:sp>
-    </p:spTree>
-    <p:extLst>
-      <p:ext uri="{BB962C8B-B14F-4D97-AF65-F5344CB8AC3E}">
-        <p14:creationId xmlns:p14="http://schemas.microsoft.com/office/powerpoint/2010/main" val="2860324116"/>
-      </p:ext>
-    </p:extLst>
-  </p:cSld>
-  <p:clrMapOvr>
-    <a:masterClrMapping/>
-  </p:clrMapOvr>
-</p:sld>
-</file>
-
-<file path=ppt/slides/slide5.xml><?xml version="1.0" encoding="utf-8"?>
-<p:sld xmlns:a="http://schemas.openxmlformats.org/drawingml/2006/main" xmlns:r="http://schemas.openxmlformats.org/officeDocument/2006/relationships" xmlns:p="http://schemas.openxmlformats.org/presentationml/2006/main">
-  <p:cSld>
-    <p:spTree>
-      <p:nvGrpSpPr>
-        <p:cNvPr id="1" name=""/>
-        <p:cNvGrpSpPr/>
-        <p:nvPr/>
-      </p:nvGrpSpPr>
-      <p:grpSpPr>
-        <a:xfrm>
-          <a:off x="0" y="0"/>
-          <a:ext cx="0" cy="0"/>
-          <a:chOff x="0" y="0"/>
-          <a:chExt cx="0" cy="0"/>
-        </a:xfrm>
-      </p:grpSpPr>
-      <p:sp>
-        <p:nvSpPr>
-          <p:cNvPr id="2" name="Title 1">
-            <a:extLst>
-              <a:ext uri="{FF2B5EF4-FFF2-40B4-BE49-F238E27FC236}">
                 <a16:creationId xmlns:a16="http://schemas.microsoft.com/office/drawing/2014/main" id="{8C30DD18-4F2E-A146-8EF0-3C72A8EBF496}"/>
               </a:ext>
             </a:extLst>
@@ -6529,7 +5600,7 @@
               <a:pPr>
                 <a:defRPr/>
               </a:pPr>
-              <a:t>5</a:t>
+              <a:t>4</a:t>
             </a:fld>
             <a:endParaRPr lang="en-US"/>
           </a:p>
@@ -6642,7 +5713,7 @@
 </p:sld>
 </file>
 
-<file path=ppt/slides/slide6.xml><?xml version="1.0" encoding="utf-8"?>
+<file path=ppt/slides/slide5.xml><?xml version="1.0" encoding="utf-8"?>
 <p:sld xmlns:a="http://schemas.openxmlformats.org/drawingml/2006/main" xmlns:r="http://schemas.openxmlformats.org/officeDocument/2006/relationships" xmlns:p="http://schemas.openxmlformats.org/presentationml/2006/main">
   <p:cSld>
     <p:spTree>
@@ -6776,7 +5847,7 @@
               <a:pPr>
                 <a:defRPr/>
               </a:pPr>
-              <a:t>6</a:t>
+              <a:t>5</a:t>
             </a:fld>
             <a:endParaRPr lang="en-US" dirty="0"/>
           </a:p>
@@ -6825,6 +5896,166 @@
 </p:sld>
 </file>
 
+<file path=ppt/slides/slide6.xml><?xml version="1.0" encoding="utf-8"?>
+<p:sld xmlns:a="http://schemas.openxmlformats.org/drawingml/2006/main" xmlns:r="http://schemas.openxmlformats.org/officeDocument/2006/relationships" xmlns:p="http://schemas.openxmlformats.org/presentationml/2006/main">
+  <p:cSld>
+    <p:spTree>
+      <p:nvGrpSpPr>
+        <p:cNvPr id="1" name=""/>
+        <p:cNvGrpSpPr/>
+        <p:nvPr/>
+      </p:nvGrpSpPr>
+      <p:grpSpPr>
+        <a:xfrm>
+          <a:off x="0" y="0"/>
+          <a:ext cx="0" cy="0"/>
+          <a:chOff x="0" y="0"/>
+          <a:chExt cx="0" cy="0"/>
+        </a:xfrm>
+      </p:grpSpPr>
+      <p:sp>
+        <p:nvSpPr>
+          <p:cNvPr id="2" name="Title 1">
+            <a:extLst>
+              <a:ext uri="{FF2B5EF4-FFF2-40B4-BE49-F238E27FC236}">
+                <a16:creationId xmlns:a16="http://schemas.microsoft.com/office/drawing/2014/main" id="{4860DCAE-14DB-2B48-8B3D-B6DAA1827465}"/>
+              </a:ext>
+            </a:extLst>
+          </p:cNvPr>
+          <p:cNvSpPr>
+            <a:spLocks noGrp="1"/>
+          </p:cNvSpPr>
+          <p:nvPr>
+            <p:ph type="title"/>
+          </p:nvPr>
+        </p:nvSpPr>
+        <p:spPr/>
+        <p:txBody>
+          <a:bodyPr/>
+          <a:lstStyle/>
+          <a:p>
+            <a:r>
+              <a:rPr lang="en-US" dirty="0"/>
+              <a:t>MOX Designs</a:t>
+            </a:r>
+          </a:p>
+        </p:txBody>
+      </p:sp>
+      <p:sp>
+        <p:nvSpPr>
+          <p:cNvPr id="3" name="Content Placeholder 2">
+            <a:extLst>
+              <a:ext uri="{FF2B5EF4-FFF2-40B4-BE49-F238E27FC236}">
+                <a16:creationId xmlns:a16="http://schemas.microsoft.com/office/drawing/2014/main" id="{AD192575-0962-C845-8F0E-046BA845867F}"/>
+              </a:ext>
+            </a:extLst>
+          </p:cNvPr>
+          <p:cNvSpPr>
+            <a:spLocks noGrp="1"/>
+          </p:cNvSpPr>
+          <p:nvPr>
+            <p:ph idx="1"/>
+          </p:nvPr>
+        </p:nvSpPr>
+        <p:spPr/>
+        <p:txBody>
+          <a:bodyPr/>
+          <a:lstStyle/>
+          <a:p>
+            <a:r>
+              <a:rPr lang="en-US" sz="2000" dirty="0"/>
+              <a:t>The fuel pin is a long cylinder (2–3m long, 5–10mm diameter), clad in a steel tube (0.4–0.6mm thick) closed in both ends by welded plugs, preventing direct contact between the radioactive material and the sodium coolant</a:t>
+            </a:r>
+          </a:p>
+          <a:p>
+            <a:r>
+              <a:rPr lang="en-US" sz="2000" dirty="0"/>
+              <a:t>The oxide fissile column (~1 m long) consists of a stack of conventionally pressed and sintered pellets with an outer diameter slightly smaller than the inner diameter of the clad, providing a gap ~100 micron gap</a:t>
+            </a:r>
+          </a:p>
+          <a:p>
+            <a:r>
+              <a:rPr lang="en-US" sz="2000" dirty="0"/>
+              <a:t>Both full pellets and annular pellets have been used</a:t>
+            </a:r>
+          </a:p>
+          <a:p>
+            <a:r>
+              <a:rPr lang="en-US" sz="2000" dirty="0"/>
+              <a:t>A He gap with a pressure ~1 atm is used</a:t>
+            </a:r>
+          </a:p>
+          <a:p>
+            <a:r>
+              <a:rPr lang="en-US" sz="2000" dirty="0"/>
+              <a:t>Fuel pins of fast reactors are designed to operate at a high linear heat generation rate: between 400 and 500 W/cm, about twice higher than standard linear power in light water reactors (LWRs)</a:t>
+            </a:r>
+          </a:p>
+          <a:p>
+            <a:endParaRPr lang="en-US" sz="2000" dirty="0"/>
+          </a:p>
+          <a:p>
+            <a:endParaRPr lang="en-US" sz="2000" dirty="0"/>
+          </a:p>
+          <a:p>
+            <a:endParaRPr lang="en-US" sz="2000" dirty="0"/>
+          </a:p>
+          <a:p>
+            <a:endParaRPr lang="en-US" sz="2000" dirty="0"/>
+          </a:p>
+          <a:p>
+            <a:endParaRPr lang="en-US" sz="2000" dirty="0"/>
+          </a:p>
+        </p:txBody>
+      </p:sp>
+      <p:sp>
+        <p:nvSpPr>
+          <p:cNvPr id="4" name="Slide Number Placeholder 3">
+            <a:extLst>
+              <a:ext uri="{FF2B5EF4-FFF2-40B4-BE49-F238E27FC236}">
+                <a16:creationId xmlns:a16="http://schemas.microsoft.com/office/drawing/2014/main" id="{D8C73ED7-9750-7F47-8188-F1A42F8CE67D}"/>
+              </a:ext>
+            </a:extLst>
+          </p:cNvPr>
+          <p:cNvSpPr>
+            <a:spLocks noGrp="1"/>
+          </p:cNvSpPr>
+          <p:nvPr>
+            <p:ph type="sldNum" sz="quarter" idx="12"/>
+          </p:nvPr>
+        </p:nvSpPr>
+        <p:spPr/>
+        <p:txBody>
+          <a:bodyPr/>
+          <a:lstStyle/>
+          <a:p>
+            <a:pPr>
+              <a:defRPr/>
+            </a:pPr>
+            <a:fld id="{3FF2C605-4958-CF43-AA48-80339EFDB0AF}" type="slidenum">
+              <a:rPr lang="en-US" smtClean="0"/>
+              <a:pPr>
+                <a:defRPr/>
+              </a:pPr>
+              <a:t>6</a:t>
+            </a:fld>
+            <a:endParaRPr lang="en-US"/>
+          </a:p>
+        </p:txBody>
+      </p:sp>
+    </p:spTree>
+    <p:extLst>
+      <p:ext uri="{BB962C8B-B14F-4D97-AF65-F5344CB8AC3E}">
+        <p14:creationId xmlns:p14="http://schemas.microsoft.com/office/powerpoint/2010/main" val="635135991"/>
+      </p:ext>
+    </p:extLst>
+  </p:cSld>
+  <p:clrMapOvr>
+    <a:masterClrMapping/>
+  </p:clrMapOvr>
+</p:sld>
+</file>
+
 <file path=ppt/slides/slide7.xml><?xml version="1.0" encoding="utf-8"?>
 <p:sld xmlns:a="http://schemas.openxmlformats.org/drawingml/2006/main" xmlns:r="http://schemas.openxmlformats.org/officeDocument/2006/relationships" xmlns:p="http://schemas.openxmlformats.org/presentationml/2006/main">
   <p:cSld>
@@ -6847,7 +6078,7 @@
           <p:cNvPr id="2" name="Title 1">
             <a:extLst>
               <a:ext uri="{FF2B5EF4-FFF2-40B4-BE49-F238E27FC236}">
-                <a16:creationId xmlns:a16="http://schemas.microsoft.com/office/drawing/2014/main" id="{4860DCAE-14DB-2B48-8B3D-B6DAA1827465}"/>
+                <a16:creationId xmlns:a16="http://schemas.microsoft.com/office/drawing/2014/main" id="{DF6805FF-1059-7A43-99FA-56CBBBC7480C}"/>
               </a:ext>
             </a:extLst>
           </p:cNvPr>
@@ -6865,7 +6096,7 @@
           <a:p>
             <a:r>
               <a:rPr lang="en-US" dirty="0"/>
-              <a:t>MOX Designs</a:t>
+              <a:t>MOX Fuel</a:t>
             </a:r>
           </a:p>
         </p:txBody>
@@ -6875,7 +6106,7 @@
           <p:cNvPr id="3" name="Content Placeholder 2">
             <a:extLst>
               <a:ext uri="{FF2B5EF4-FFF2-40B4-BE49-F238E27FC236}">
-                <a16:creationId xmlns:a16="http://schemas.microsoft.com/office/drawing/2014/main" id="{AD192575-0962-C845-8F0E-046BA845867F}"/>
+                <a16:creationId xmlns:a16="http://schemas.microsoft.com/office/drawing/2014/main" id="{F758C20A-4B5A-0C4C-88BE-DC90DFD9FB0E}"/>
               </a:ext>
             </a:extLst>
           </p:cNvPr>
@@ -6893,32 +6124,65 @@
           <a:p>
             <a:r>
               <a:rPr lang="en-US" sz="2000" dirty="0"/>
-              <a:t>The fuel pin is a long cylinder (2–3m long, 5–10mm diameter), clad in a steel tube (0.4–0.6mm thick) closed in both ends by welded plugs, preventing direct contact between the radioactive material and the sodium coolant</a:t>
-            </a:r>
-          </a:p>
-          <a:p>
-            <a:r>
-              <a:rPr lang="en-US" sz="2000" dirty="0"/>
-              <a:t>The oxide fissile column (~1 m long) consists of a stack of conventionally pressed and sintered pellets with an outer diameter slightly smaller than the inner diameter of the clad, providing a gap ~100 micron gap</a:t>
-            </a:r>
-          </a:p>
-          <a:p>
-            <a:r>
-              <a:rPr lang="en-US" sz="2000" dirty="0"/>
-              <a:t>Both full pellets and annular pellets have been used</a:t>
-            </a:r>
-          </a:p>
-          <a:p>
-            <a:r>
-              <a:rPr lang="en-US" sz="2000" dirty="0"/>
-              <a:t>A He gap with a pressure ~1 atm is used</a:t>
-            </a:r>
-          </a:p>
-          <a:p>
-            <a:r>
-              <a:rPr lang="en-US" sz="2000" dirty="0"/>
-              <a:t>Fuel pins of fast reactors are designed to operate at a high linear heat generation rate: between 400 and 500 W/cm, about twice higher than standard linear power in light water reactors (LWRs)</a:t>
-            </a:r>
+              <a:t>As the fast reactor fuel pin diameters are generally smaller than classical rod diameters of LWRs, the power density and heat fluxes are much higher in fast reactors than in LWRs</a:t>
+            </a:r>
+          </a:p>
+          <a:p>
+            <a:r>
+              <a:rPr lang="en-US" sz="2000" dirty="0"/>
+              <a:t>For example, in a Phenix fuel pin at 450W/cm, the power density in the pellet reaches almost 2000 W/cc</a:t>
+            </a:r>
+          </a:p>
+          <a:p>
+            <a:r>
+              <a:rPr lang="en-US" sz="2000" dirty="0"/>
+              <a:t>Sodium enters the bottom part of the core at about 400 C and the average coolant temperature above the core is typically about 550 C</a:t>
+            </a:r>
+          </a:p>
+          <a:p>
+            <a:r>
+              <a:rPr lang="en-US" sz="2000" dirty="0"/>
+              <a:t>The neutron flux is very intense (~7x10</a:t>
+            </a:r>
+            <a:r>
+              <a:rPr lang="en-US" sz="2000" baseline="30000" dirty="0"/>
+              <a:t>15</a:t>
+            </a:r>
+            <a:r>
+              <a:rPr lang="en-US" sz="2000" dirty="0"/>
+              <a:t> n/cm</a:t>
+            </a:r>
+            <a:r>
+              <a:rPr lang="en-US" sz="2000" baseline="30000" dirty="0"/>
+              <a:t>2</a:t>
+            </a:r>
+            <a:r>
+              <a:rPr lang="en-US" sz="2000" dirty="0"/>
+              <a:t>/s in the core center) and the assembly materials suffer high damage, more than 100 dpa, at high burnup</a:t>
+            </a:r>
+          </a:p>
+          <a:p>
+            <a:r>
+              <a:rPr lang="en-US" sz="2000" dirty="0"/>
+              <a:t>Qualifying metallic materials able to withstand such high damage while keeping their shape and mechanical properties was/is one of the key challenges for fast reactors</a:t>
+            </a:r>
+          </a:p>
+          <a:p>
+            <a:r>
+              <a:rPr lang="en-US" sz="2000" dirty="0"/>
+              <a:t>In order to reduce fuel cycle costs, the main objective of oxide fuels R&amp;D for fast reactors has been to reach high burnup, typically around 150 </a:t>
+            </a:r>
+            <a:r>
+              <a:rPr lang="en-US" sz="2000" dirty="0" err="1"/>
+              <a:t>GWd</a:t>
+            </a:r>
+            <a:r>
+              <a:rPr lang="en-US" sz="2000" dirty="0"/>
+              <a:t>/ton, about twice the burnup achieved in LWRs</a:t>
+            </a:r>
+          </a:p>
+          <a:p>
+            <a:endParaRPr lang="en-US" sz="2000" dirty="0"/>
           </a:p>
           <a:p>
             <a:endParaRPr lang="en-US" sz="2000" dirty="0"/>
@@ -6942,7 +6206,7 @@
           <p:cNvPr id="4" name="Slide Number Placeholder 3">
             <a:extLst>
               <a:ext uri="{FF2B5EF4-FFF2-40B4-BE49-F238E27FC236}">
-                <a16:creationId xmlns:a16="http://schemas.microsoft.com/office/drawing/2014/main" id="{D8C73ED7-9750-7F47-8188-F1A42F8CE67D}"/>
+                <a16:creationId xmlns:a16="http://schemas.microsoft.com/office/drawing/2014/main" id="{9EE9D9E6-514C-B44D-A33C-6991E66219A8}"/>
               </a:ext>
             </a:extLst>
           </p:cNvPr>
@@ -6975,7 +6239,7 @@
     </p:spTree>
     <p:extLst>
       <p:ext uri="{BB962C8B-B14F-4D97-AF65-F5344CB8AC3E}">
-        <p14:creationId xmlns:p14="http://schemas.microsoft.com/office/powerpoint/2010/main" val="635135991"/>
+        <p14:creationId xmlns:p14="http://schemas.microsoft.com/office/powerpoint/2010/main" val="3599119294"/>
       </p:ext>
     </p:extLst>
   </p:cSld>
@@ -7007,7 +6271,7 @@
           <p:cNvPr id="2" name="Title 1">
             <a:extLst>
               <a:ext uri="{FF2B5EF4-FFF2-40B4-BE49-F238E27FC236}">
-                <a16:creationId xmlns:a16="http://schemas.microsoft.com/office/drawing/2014/main" id="{DF6805FF-1059-7A43-99FA-56CBBBC7480C}"/>
+                <a16:creationId xmlns:a16="http://schemas.microsoft.com/office/drawing/2014/main" id="{DC4D3B70-35DC-544B-9F51-A27245C5B4AC}"/>
               </a:ext>
             </a:extLst>
           </p:cNvPr>
@@ -7035,7 +6299,7 @@
           <p:cNvPr id="3" name="Content Placeholder 2">
             <a:extLst>
               <a:ext uri="{FF2B5EF4-FFF2-40B4-BE49-F238E27FC236}">
-                <a16:creationId xmlns:a16="http://schemas.microsoft.com/office/drawing/2014/main" id="{F758C20A-4B5A-0C4C-88BE-DC90DFD9FB0E}"/>
+                <a16:creationId xmlns:a16="http://schemas.microsoft.com/office/drawing/2014/main" id="{E41A27E7-F2F0-D147-BB03-265E116408EB}"/>
               </a:ext>
             </a:extLst>
           </p:cNvPr>
@@ -7053,65 +6317,36 @@
           <a:p>
             <a:r>
               <a:rPr lang="en-US" sz="2000" dirty="0"/>
-              <a:t>As the fast reactor fuel pin diameters are generally smaller than classical rod diameters of LWRs, the power density and heat fluxes are much higher in fast reactors than in LWRs</a:t>
-            </a:r>
-          </a:p>
-          <a:p>
-            <a:r>
-              <a:rPr lang="en-US" sz="2000" dirty="0"/>
-              <a:t>For example, in a Phenix fuel pin at 450W/cm, the power density in the pellet reaches almost 2000 W/cc</a:t>
-            </a:r>
-          </a:p>
-          <a:p>
-            <a:r>
-              <a:rPr lang="en-US" sz="2000" dirty="0"/>
-              <a:t>Sodium enters the bottom part of the core at about 400 C and the average coolant temperature above the core is typically about 550 C</a:t>
-            </a:r>
-          </a:p>
-          <a:p>
-            <a:r>
-              <a:rPr lang="en-US" sz="2000" dirty="0"/>
-              <a:t>The neutron flux is very intense (~7x10</a:t>
-            </a:r>
-            <a:r>
-              <a:rPr lang="en-US" sz="2000" baseline="30000" dirty="0"/>
-              <a:t>15</a:t>
-            </a:r>
-            <a:r>
-              <a:rPr lang="en-US" sz="2000" dirty="0"/>
-              <a:t> n/cm</a:t>
-            </a:r>
-            <a:r>
-              <a:rPr lang="en-US" sz="2000" baseline="30000" dirty="0"/>
-              <a:t>2</a:t>
-            </a:r>
-            <a:r>
-              <a:rPr lang="en-US" sz="2000" dirty="0"/>
-              <a:t>/s in the core center) and the assembly materials suffer high damage, more than 100 dpa, at high burnup</a:t>
-            </a:r>
-          </a:p>
-          <a:p>
-            <a:r>
-              <a:rPr lang="en-US" sz="2000" dirty="0"/>
-              <a:t>Qualifying metallic materials able to withstand such high damage while keeping their shape and mechanical properties was/is one of the key challenges for fast reactors</a:t>
-            </a:r>
-          </a:p>
-          <a:p>
-            <a:r>
-              <a:rPr lang="en-US" sz="2000" dirty="0"/>
-              <a:t>In order to reduce fuel cycle costs, the main objective of oxide fuels R&amp;D for fast reactors has been to reach high burnup, typically around 150 </a:t>
-            </a:r>
-            <a:r>
-              <a:rPr lang="en-US" sz="2000" dirty="0" err="1"/>
-              <a:t>GWd</a:t>
-            </a:r>
-            <a:r>
-              <a:rPr lang="en-US" sz="2000" dirty="0"/>
-              <a:t>/ton, about twice the burnup achieved in LWRs</a:t>
-            </a:r>
-          </a:p>
-          <a:p>
-            <a:endParaRPr lang="en-US" sz="2000" dirty="0"/>
+              <a:t>The main requirements and design criteria are the following:</a:t>
+            </a:r>
+          </a:p>
+          <a:p>
+            <a:pPr lvl="1"/>
+            <a:r>
+              <a:rPr lang="en-US" sz="2000" dirty="0"/>
+              <a:t>Guaranteeing the absence of fuel melting, both in nominal conditions and during off-normal events</a:t>
+            </a:r>
+          </a:p>
+          <a:p>
+            <a:pPr lvl="1"/>
+            <a:r>
+              <a:rPr lang="en-US" sz="2000" dirty="0"/>
+              <a:t>Keeping cladding integrity and fuel pin tightness</a:t>
+            </a:r>
+          </a:p>
+          <a:p>
+            <a:pPr lvl="1"/>
+            <a:r>
+              <a:rPr lang="en-US" sz="2000" dirty="0"/>
+              <a:t>Cooling of the fuel pin bundle must be ensured up to high burnup in all operating conditions</a:t>
+            </a:r>
+          </a:p>
+          <a:p>
+            <a:pPr lvl="1"/>
+            <a:r>
+              <a:rPr lang="en-US" sz="2000" dirty="0"/>
+              <a:t>Loading and unloading of subassemblies have to be guaranteed, which induces a limitation on the deformation of the hexagonal wrapper tubes</a:t>
+            </a:r>
           </a:p>
           <a:p>
             <a:endParaRPr lang="en-US" sz="2000" dirty="0"/>
@@ -7135,7 +6370,7 @@
           <p:cNvPr id="4" name="Slide Number Placeholder 3">
             <a:extLst>
               <a:ext uri="{FF2B5EF4-FFF2-40B4-BE49-F238E27FC236}">
-                <a16:creationId xmlns:a16="http://schemas.microsoft.com/office/drawing/2014/main" id="{9EE9D9E6-514C-B44D-A33C-6991E66219A8}"/>
+                <a16:creationId xmlns:a16="http://schemas.microsoft.com/office/drawing/2014/main" id="{EC10D385-6F7F-9042-93AC-80FA1AE70165}"/>
               </a:ext>
             </a:extLst>
           </p:cNvPr>
@@ -7168,7 +6403,7 @@
     </p:spTree>
     <p:extLst>
       <p:ext uri="{BB962C8B-B14F-4D97-AF65-F5344CB8AC3E}">
-        <p14:creationId xmlns:p14="http://schemas.microsoft.com/office/powerpoint/2010/main" val="3599119294"/>
+        <p14:creationId xmlns:p14="http://schemas.microsoft.com/office/powerpoint/2010/main" val="66068493"/>
       </p:ext>
     </p:extLst>
   </p:cSld>
@@ -7200,7 +6435,7 @@
           <p:cNvPr id="2" name="Title 1">
             <a:extLst>
               <a:ext uri="{FF2B5EF4-FFF2-40B4-BE49-F238E27FC236}">
-                <a16:creationId xmlns:a16="http://schemas.microsoft.com/office/drawing/2014/main" id="{DC4D3B70-35DC-544B-9F51-A27245C5B4AC}"/>
+                <a16:creationId xmlns:a16="http://schemas.microsoft.com/office/drawing/2014/main" id="{D979D8F0-6373-E345-8C4D-00903DBA0CE7}"/>
               </a:ext>
             </a:extLst>
           </p:cNvPr>
@@ -7218,7 +6453,7 @@
           <a:p>
             <a:r>
               <a:rPr lang="en-US" dirty="0"/>
-              <a:t>MOX Fuel</a:t>
+              <a:t>MOX Fuels</a:t>
             </a:r>
           </a:p>
         </p:txBody>
@@ -7228,7 +6463,7 @@
           <p:cNvPr id="3" name="Content Placeholder 2">
             <a:extLst>
               <a:ext uri="{FF2B5EF4-FFF2-40B4-BE49-F238E27FC236}">
-                <a16:creationId xmlns:a16="http://schemas.microsoft.com/office/drawing/2014/main" id="{E41A27E7-F2F0-D147-BB03-265E116408EB}"/>
+                <a16:creationId xmlns:a16="http://schemas.microsoft.com/office/drawing/2014/main" id="{AEF6B378-35F8-3242-BD7F-AA5805B45888}"/>
               </a:ext>
             </a:extLst>
           </p:cNvPr>
@@ -7239,67 +6474,58 @@
             <p:ph idx="1"/>
           </p:nvPr>
         </p:nvSpPr>
-        <p:spPr/>
-        <p:txBody>
-          <a:bodyPr/>
+        <p:spPr>
+          <a:xfrm>
+            <a:off x="609600" y="2280746"/>
+            <a:ext cx="7082274" cy="3845418"/>
+          </a:xfrm>
+        </p:spPr>
+        <p:txBody>
+          <a:bodyPr>
+            <a:noAutofit/>
+          </a:bodyPr>
           <a:lstStyle/>
           <a:p>
             <a:r>
               <a:rPr lang="en-US" sz="2000" dirty="0"/>
-              <a:t>The main requirements and design criteria are the following:</a:t>
-            </a:r>
-          </a:p>
-          <a:p>
-            <a:pPr lvl="1"/>
-            <a:r>
-              <a:rPr lang="en-US" sz="2000" dirty="0"/>
-              <a:t>Guaranteeing the absence of fuel melting, both in nominal conditions and during off-normal events</a:t>
-            </a:r>
-          </a:p>
-          <a:p>
-            <a:pPr lvl="1"/>
-            <a:r>
-              <a:rPr lang="en-US" sz="2000" dirty="0"/>
-              <a:t>Keeping cladding integrity and fuel pin tightness</a:t>
-            </a:r>
-          </a:p>
-          <a:p>
-            <a:pPr lvl="1"/>
-            <a:r>
-              <a:rPr lang="en-US" sz="2000" dirty="0"/>
-              <a:t>Cooling of the fuel pin bundle must be ensured up to high burnup in all operating conditions</a:t>
-            </a:r>
-          </a:p>
-          <a:p>
-            <a:pPr lvl="1"/>
-            <a:r>
-              <a:rPr lang="en-US" sz="2000" dirty="0"/>
-              <a:t>Loading and unloading of subassemblies have to be guaranteed, which induces a limitation on the deformation of the hexagonal wrapper tubes</a:t>
+              <a:t>Most phenomena occurring inside oxide fuel pellets are thermally activated, and a good knowledge of the thermal field inside the fuel stack is key</a:t>
+            </a:r>
+          </a:p>
+          <a:p>
+            <a:r>
+              <a:rPr lang="en-US" sz="2000" dirty="0"/>
+              <a:t>Centerline temperatures can reach above 2000C, significantly higher than thermal LWRs</a:t>
+            </a:r>
+          </a:p>
+          <a:p>
+            <a:r>
+              <a:rPr lang="en-US" sz="2000" dirty="0"/>
+              <a:t>Thermal conductivity is low and degrades with irradiation</a:t>
+            </a:r>
+          </a:p>
+          <a:p>
+            <a:r>
+              <a:rPr lang="en-US" sz="2000" dirty="0"/>
+              <a:t>Due to the steep thermal gradient, thermal stress cracks form </a:t>
+            </a:r>
+          </a:p>
+          <a:p>
+            <a:r>
+              <a:rPr lang="en-US" sz="2000" dirty="0"/>
+              <a:t>Restructuring takes place due to the high temperatures, leading to distinct regions in the fuel</a:t>
             </a:r>
           </a:p>
           <a:p>
             <a:endParaRPr lang="en-US" sz="2000" dirty="0"/>
           </a:p>
-          <a:p>
-            <a:endParaRPr lang="en-US" sz="2000" dirty="0"/>
-          </a:p>
-          <a:p>
-            <a:endParaRPr lang="en-US" sz="2000" dirty="0"/>
-          </a:p>
-          <a:p>
-            <a:endParaRPr lang="en-US" sz="2000" dirty="0"/>
-          </a:p>
-          <a:p>
-            <a:endParaRPr lang="en-US" sz="2000" dirty="0"/>
-          </a:p>
-        </p:txBody>
-      </p:sp>
-      <p:sp>
-        <p:nvSpPr>
-          <p:cNvPr id="4" name="Slide Number Placeholder 3">
+        </p:txBody>
+      </p:sp>
+      <p:sp>
+        <p:nvSpPr>
+          <p:cNvPr id="5" name="Slide Number Placeholder 4">
             <a:extLst>
               <a:ext uri="{FF2B5EF4-FFF2-40B4-BE49-F238E27FC236}">
-                <a16:creationId xmlns:a16="http://schemas.microsoft.com/office/drawing/2014/main" id="{EC10D385-6F7F-9042-93AC-80FA1AE70165}"/>
+                <a16:creationId xmlns:a16="http://schemas.microsoft.com/office/drawing/2014/main" id="{D33C6E57-90AD-1244-B19C-60B5F752F204}"/>
               </a:ext>
             </a:extLst>
           </p:cNvPr>
@@ -7329,10 +6555,70 @@
           </a:p>
         </p:txBody>
       </p:sp>
+      <p:pic>
+        <p:nvPicPr>
+          <p:cNvPr id="7" name="Picture 6">
+            <a:extLst>
+              <a:ext uri="{FF2B5EF4-FFF2-40B4-BE49-F238E27FC236}">
+                <a16:creationId xmlns:a16="http://schemas.microsoft.com/office/drawing/2014/main" id="{A1AC2DEA-7714-0B45-8BC1-8D4FD34F3E51}"/>
+              </a:ext>
+            </a:extLst>
+          </p:cNvPr>
+          <p:cNvPicPr>
+            <a:picLocks noChangeAspect="1"/>
+          </p:cNvPicPr>
+          <p:nvPr/>
+        </p:nvPicPr>
+        <p:blipFill>
+          <a:blip r:embed="rId2"/>
+          <a:stretch>
+            <a:fillRect/>
+          </a:stretch>
+        </p:blipFill>
+        <p:spPr>
+          <a:xfrm>
+            <a:off x="8209998" y="1405493"/>
+            <a:ext cx="2844800" cy="2387191"/>
+          </a:xfrm>
+          <a:prstGeom prst="rect">
+            <a:avLst/>
+          </a:prstGeom>
+        </p:spPr>
+      </p:pic>
+      <p:pic>
+        <p:nvPicPr>
+          <p:cNvPr id="8" name="Picture 7">
+            <a:extLst>
+              <a:ext uri="{FF2B5EF4-FFF2-40B4-BE49-F238E27FC236}">
+                <a16:creationId xmlns:a16="http://schemas.microsoft.com/office/drawing/2014/main" id="{6377BF14-4331-0444-A21A-5DE2FD89FAA0}"/>
+              </a:ext>
+            </a:extLst>
+          </p:cNvPr>
+          <p:cNvPicPr>
+            <a:picLocks noChangeAspect="1"/>
+          </p:cNvPicPr>
+          <p:nvPr/>
+        </p:nvPicPr>
+        <p:blipFill>
+          <a:blip r:embed="rId3"/>
+          <a:stretch>
+            <a:fillRect/>
+          </a:stretch>
+        </p:blipFill>
+        <p:spPr>
+          <a:xfrm>
+            <a:off x="8140976" y="4004853"/>
+            <a:ext cx="3384824" cy="2387191"/>
+          </a:xfrm>
+          <a:prstGeom prst="rect">
+            <a:avLst/>
+          </a:prstGeom>
+        </p:spPr>
+      </p:pic>
     </p:spTree>
     <p:extLst>
       <p:ext uri="{BB962C8B-B14F-4D97-AF65-F5344CB8AC3E}">
-        <p14:creationId xmlns:p14="http://schemas.microsoft.com/office/powerpoint/2010/main" val="66068493"/>
+        <p14:creationId xmlns:p14="http://schemas.microsoft.com/office/powerpoint/2010/main" val="2736021547"/>
       </p:ext>
     </p:extLst>
   </p:cSld>
